--- a/Stats Project 2 Notes.pptx
+++ b/Stats Project 2 Notes.pptx
@@ -15,6 +15,18 @@
     <p:sldId id="259" r:id="rId9"/>
     <p:sldId id="260" r:id="rId10"/>
     <p:sldId id="261" r:id="rId11"/>
+    <p:sldId id="266" r:id="rId12"/>
+    <p:sldId id="267" r:id="rId13"/>
+    <p:sldId id="268" r:id="rId14"/>
+    <p:sldId id="269" r:id="rId15"/>
+    <p:sldId id="270" r:id="rId16"/>
+    <p:sldId id="271" r:id="rId17"/>
+    <p:sldId id="272" r:id="rId18"/>
+    <p:sldId id="273" r:id="rId19"/>
+    <p:sldId id="274" r:id="rId20"/>
+    <p:sldId id="275" r:id="rId21"/>
+    <p:sldId id="276" r:id="rId22"/>
+    <p:sldId id="277" r:id="rId23"/>
   </p:sldIdLst>
   <p:sldSz cx="12192000" cy="6858000"/>
   <p:notesSz cx="6858000" cy="9144000"/>
@@ -121,6 +133,18 @@
 </p:presentation>
 </file>
 
+<file path=ppt/commentAuthors.xml><?xml version="1.0" encoding="utf-8"?>
+<p:cmAuthorLst xmlns:a="http://schemas.openxmlformats.org/drawingml/2006/main" xmlns:r="http://schemas.openxmlformats.org/officeDocument/2006/relationships" xmlns:p="http://schemas.openxmlformats.org/presentationml/2006/main">
+  <p:cmAuthor id="1" name="adam canton" initials="ac" lastIdx="1" clrIdx="0">
+    <p:extLst>
+      <p:ext uri="{19B8F6BF-5375-455C-9EA6-DF929625EA0E}">
+        <p15:presenceInfo xmlns:p15="http://schemas.microsoft.com/office/powerpoint/2012/main" userId="503078d3580e958f" providerId="Windows Live"/>
+      </p:ext>
+    </p:extLst>
+  </p:cmAuthor>
+</p:cmAuthorLst>
+</file>
+
 <file path=ppt/slideLayouts/slideLayout1.xml><?xml version="1.0" encoding="utf-8"?>
 <p:sldLayout xmlns:a="http://schemas.openxmlformats.org/drawingml/2006/main" xmlns:r="http://schemas.openxmlformats.org/officeDocument/2006/relationships" xmlns:p="http://schemas.openxmlformats.org/presentationml/2006/main" type="title" preserve="1">
   <p:cSld name="Title Slide">
@@ -252,7 +276,7 @@
           <a:p>
             <a:fld id="{45D9E1C1-CE63-4BAC-8F3F-747B597BAC45}" type="datetimeFigureOut">
               <a:rPr lang="en-US" smtClean="0"/>
-              <a:t>8/8/2020</a:t>
+              <a:t>8/11/2020</a:t>
             </a:fld>
             <a:endParaRPr lang="en-US"/>
           </a:p>
@@ -422,7 +446,7 @@
           <a:p>
             <a:fld id="{45D9E1C1-CE63-4BAC-8F3F-747B597BAC45}" type="datetimeFigureOut">
               <a:rPr lang="en-US" smtClean="0"/>
-              <a:t>8/8/2020</a:t>
+              <a:t>8/11/2020</a:t>
             </a:fld>
             <a:endParaRPr lang="en-US"/>
           </a:p>
@@ -602,7 +626,7 @@
           <a:p>
             <a:fld id="{45D9E1C1-CE63-4BAC-8F3F-747B597BAC45}" type="datetimeFigureOut">
               <a:rPr lang="en-US" smtClean="0"/>
-              <a:t>8/8/2020</a:t>
+              <a:t>8/11/2020</a:t>
             </a:fld>
             <a:endParaRPr lang="en-US"/>
           </a:p>
@@ -772,7 +796,7 @@
           <a:p>
             <a:fld id="{45D9E1C1-CE63-4BAC-8F3F-747B597BAC45}" type="datetimeFigureOut">
               <a:rPr lang="en-US" smtClean="0"/>
-              <a:t>8/8/2020</a:t>
+              <a:t>8/11/2020</a:t>
             </a:fld>
             <a:endParaRPr lang="en-US"/>
           </a:p>
@@ -1018,7 +1042,7 @@
           <a:p>
             <a:fld id="{45D9E1C1-CE63-4BAC-8F3F-747B597BAC45}" type="datetimeFigureOut">
               <a:rPr lang="en-US" smtClean="0"/>
-              <a:t>8/8/2020</a:t>
+              <a:t>8/11/2020</a:t>
             </a:fld>
             <a:endParaRPr lang="en-US"/>
           </a:p>
@@ -1250,7 +1274,7 @@
           <a:p>
             <a:fld id="{45D9E1C1-CE63-4BAC-8F3F-747B597BAC45}" type="datetimeFigureOut">
               <a:rPr lang="en-US" smtClean="0"/>
-              <a:t>8/8/2020</a:t>
+              <a:t>8/11/2020</a:t>
             </a:fld>
             <a:endParaRPr lang="en-US"/>
           </a:p>
@@ -1617,7 +1641,7 @@
           <a:p>
             <a:fld id="{45D9E1C1-CE63-4BAC-8F3F-747B597BAC45}" type="datetimeFigureOut">
               <a:rPr lang="en-US" smtClean="0"/>
-              <a:t>8/8/2020</a:t>
+              <a:t>8/11/2020</a:t>
             </a:fld>
             <a:endParaRPr lang="en-US"/>
           </a:p>
@@ -1735,7 +1759,7 @@
           <a:p>
             <a:fld id="{45D9E1C1-CE63-4BAC-8F3F-747B597BAC45}" type="datetimeFigureOut">
               <a:rPr lang="en-US" smtClean="0"/>
-              <a:t>8/8/2020</a:t>
+              <a:t>8/11/2020</a:t>
             </a:fld>
             <a:endParaRPr lang="en-US"/>
           </a:p>
@@ -1830,7 +1854,7 @@
           <a:p>
             <a:fld id="{45D9E1C1-CE63-4BAC-8F3F-747B597BAC45}" type="datetimeFigureOut">
               <a:rPr lang="en-US" smtClean="0"/>
-              <a:t>8/8/2020</a:t>
+              <a:t>8/11/2020</a:t>
             </a:fld>
             <a:endParaRPr lang="en-US"/>
           </a:p>
@@ -2107,7 +2131,7 @@
           <a:p>
             <a:fld id="{45D9E1C1-CE63-4BAC-8F3F-747B597BAC45}" type="datetimeFigureOut">
               <a:rPr lang="en-US" smtClean="0"/>
-              <a:t>8/8/2020</a:t>
+              <a:t>8/11/2020</a:t>
             </a:fld>
             <a:endParaRPr lang="en-US"/>
           </a:p>
@@ -2364,7 +2388,7 @@
           <a:p>
             <a:fld id="{45D9E1C1-CE63-4BAC-8F3F-747B597BAC45}" type="datetimeFigureOut">
               <a:rPr lang="en-US" smtClean="0"/>
-              <a:t>8/8/2020</a:t>
+              <a:t>8/11/2020</a:t>
             </a:fld>
             <a:endParaRPr lang="en-US"/>
           </a:p>
@@ -2577,7 +2601,7 @@
           <a:p>
             <a:fld id="{45D9E1C1-CE63-4BAC-8F3F-747B597BAC45}" type="datetimeFigureOut">
               <a:rPr lang="en-US" smtClean="0"/>
-              <a:t>8/8/2020</a:t>
+              <a:t>8/11/2020</a:t>
             </a:fld>
             <a:endParaRPr lang="en-US"/>
           </a:p>
@@ -3208,6 +3232,1881 @@
 </p:sld>
 </file>
 
+<file path=ppt/slides/slide11.xml><?xml version="1.0" encoding="utf-8"?>
+<p:sld xmlns:a="http://schemas.openxmlformats.org/drawingml/2006/main" xmlns:r="http://schemas.openxmlformats.org/officeDocument/2006/relationships" xmlns:p="http://schemas.openxmlformats.org/presentationml/2006/main">
+  <p:cSld>
+    <p:spTree>
+      <p:nvGrpSpPr>
+        <p:cNvPr id="1" name=""/>
+        <p:cNvGrpSpPr/>
+        <p:nvPr/>
+      </p:nvGrpSpPr>
+      <p:grpSpPr>
+        <a:xfrm>
+          <a:off x="0" y="0"/>
+          <a:ext cx="0" cy="0"/>
+          <a:chOff x="0" y="0"/>
+          <a:chExt cx="0" cy="0"/>
+        </a:xfrm>
+      </p:grpSpPr>
+      <p:sp>
+        <p:nvSpPr>
+          <p:cNvPr id="2" name="Title 1">
+            <a:extLst>
+              <a:ext uri="{FF2B5EF4-FFF2-40B4-BE49-F238E27FC236}">
+                <a16:creationId xmlns:a16="http://schemas.microsoft.com/office/drawing/2014/main" id="{296C9266-FA0B-4A6F-AFBB-68F3B52CDF0A}"/>
+              </a:ext>
+            </a:extLst>
+          </p:cNvPr>
+          <p:cNvSpPr>
+            <a:spLocks noGrp="1"/>
+          </p:cNvSpPr>
+          <p:nvPr>
+            <p:ph type="title"/>
+          </p:nvPr>
+        </p:nvSpPr>
+        <p:spPr>
+          <a:xfrm>
+            <a:off x="140369" y="51301"/>
+            <a:ext cx="5236922" cy="629486"/>
+          </a:xfrm>
+        </p:spPr>
+        <p:txBody>
+          <a:bodyPr>
+            <a:normAutofit fontScale="90000"/>
+          </a:bodyPr>
+          <a:lstStyle/>
+          <a:p>
+            <a:r>
+              <a:rPr lang="en-US" dirty="0"/>
+              <a:t>Simple Log Progression I</a:t>
+            </a:r>
+          </a:p>
+        </p:txBody>
+      </p:sp>
+      <p:pic>
+        <p:nvPicPr>
+          <p:cNvPr id="3" name="Picture 2">
+            <a:extLst>
+              <a:ext uri="{FF2B5EF4-FFF2-40B4-BE49-F238E27FC236}">
+                <a16:creationId xmlns:a16="http://schemas.microsoft.com/office/drawing/2014/main" id="{3D12AC8B-B390-44B5-B75D-ACA42587C84D}"/>
+              </a:ext>
+            </a:extLst>
+          </p:cNvPr>
+          <p:cNvPicPr>
+            <a:picLocks noChangeAspect="1"/>
+          </p:cNvPicPr>
+          <p:nvPr/>
+        </p:nvPicPr>
+        <p:blipFill>
+          <a:blip r:embed="rId2"/>
+          <a:stretch>
+            <a:fillRect/>
+          </a:stretch>
+        </p:blipFill>
+        <p:spPr>
+          <a:xfrm>
+            <a:off x="140369" y="680786"/>
+            <a:ext cx="4477684" cy="2581973"/>
+          </a:xfrm>
+          <a:prstGeom prst="rect">
+            <a:avLst/>
+          </a:prstGeom>
+        </p:spPr>
+      </p:pic>
+      <p:pic>
+        <p:nvPicPr>
+          <p:cNvPr id="5" name="Picture 4">
+            <a:extLst>
+              <a:ext uri="{FF2B5EF4-FFF2-40B4-BE49-F238E27FC236}">
+                <a16:creationId xmlns:a16="http://schemas.microsoft.com/office/drawing/2014/main" id="{6F02F2ED-3725-423B-91A0-2EB5FF41B26B}"/>
+              </a:ext>
+            </a:extLst>
+          </p:cNvPr>
+          <p:cNvPicPr>
+            <a:picLocks noChangeAspect="1"/>
+          </p:cNvPicPr>
+          <p:nvPr/>
+        </p:nvPicPr>
+        <p:blipFill>
+          <a:blip r:embed="rId3"/>
+          <a:stretch>
+            <a:fillRect/>
+          </a:stretch>
+        </p:blipFill>
+        <p:spPr>
+          <a:xfrm>
+            <a:off x="3277599" y="3262759"/>
+            <a:ext cx="1340454" cy="1148013"/>
+          </a:xfrm>
+          <a:prstGeom prst="rect">
+            <a:avLst/>
+          </a:prstGeom>
+        </p:spPr>
+      </p:pic>
+      <p:pic>
+        <p:nvPicPr>
+          <p:cNvPr id="6" name="Picture 5">
+            <a:extLst>
+              <a:ext uri="{FF2B5EF4-FFF2-40B4-BE49-F238E27FC236}">
+                <a16:creationId xmlns:a16="http://schemas.microsoft.com/office/drawing/2014/main" id="{0E700DCE-33C0-4568-B33B-B652FEAA344B}"/>
+              </a:ext>
+            </a:extLst>
+          </p:cNvPr>
+          <p:cNvPicPr>
+            <a:picLocks noChangeAspect="1"/>
+          </p:cNvPicPr>
+          <p:nvPr/>
+        </p:nvPicPr>
+        <p:blipFill>
+          <a:blip r:embed="rId4"/>
+          <a:stretch>
+            <a:fillRect/>
+          </a:stretch>
+        </p:blipFill>
+        <p:spPr>
+          <a:xfrm>
+            <a:off x="140369" y="3262759"/>
+            <a:ext cx="3137230" cy="1936119"/>
+          </a:xfrm>
+          <a:prstGeom prst="rect">
+            <a:avLst/>
+          </a:prstGeom>
+        </p:spPr>
+      </p:pic>
+      <p:pic>
+        <p:nvPicPr>
+          <p:cNvPr id="8" name="Picture 7">
+            <a:extLst>
+              <a:ext uri="{FF2B5EF4-FFF2-40B4-BE49-F238E27FC236}">
+                <a16:creationId xmlns:a16="http://schemas.microsoft.com/office/drawing/2014/main" id="{A7EC8E23-ED4A-43BB-8F62-927444872A20}"/>
+              </a:ext>
+            </a:extLst>
+          </p:cNvPr>
+          <p:cNvPicPr>
+            <a:picLocks noChangeAspect="1"/>
+          </p:cNvPicPr>
+          <p:nvPr/>
+        </p:nvPicPr>
+        <p:blipFill>
+          <a:blip r:embed="rId5"/>
+          <a:stretch>
+            <a:fillRect/>
+          </a:stretch>
+        </p:blipFill>
+        <p:spPr>
+          <a:xfrm>
+            <a:off x="5401825" y="680786"/>
+            <a:ext cx="4061672" cy="3085243"/>
+          </a:xfrm>
+          <a:prstGeom prst="rect">
+            <a:avLst/>
+          </a:prstGeom>
+        </p:spPr>
+      </p:pic>
+      <p:pic>
+        <p:nvPicPr>
+          <p:cNvPr id="9" name="Picture 8">
+            <a:extLst>
+              <a:ext uri="{FF2B5EF4-FFF2-40B4-BE49-F238E27FC236}">
+                <a16:creationId xmlns:a16="http://schemas.microsoft.com/office/drawing/2014/main" id="{91AE787C-E4A7-4F68-8083-76734656EA5D}"/>
+              </a:ext>
+            </a:extLst>
+          </p:cNvPr>
+          <p:cNvPicPr>
+            <a:picLocks noChangeAspect="1"/>
+          </p:cNvPicPr>
+          <p:nvPr/>
+        </p:nvPicPr>
+        <p:blipFill>
+          <a:blip r:embed="rId6"/>
+          <a:stretch>
+            <a:fillRect/>
+          </a:stretch>
+        </p:blipFill>
+        <p:spPr>
+          <a:xfrm>
+            <a:off x="5426359" y="3766029"/>
+            <a:ext cx="2698665" cy="1665462"/>
+          </a:xfrm>
+          <a:prstGeom prst="rect">
+            <a:avLst/>
+          </a:prstGeom>
+        </p:spPr>
+      </p:pic>
+      <p:pic>
+        <p:nvPicPr>
+          <p:cNvPr id="10" name="Picture 9">
+            <a:extLst>
+              <a:ext uri="{FF2B5EF4-FFF2-40B4-BE49-F238E27FC236}">
+                <a16:creationId xmlns:a16="http://schemas.microsoft.com/office/drawing/2014/main" id="{E4384826-0360-4846-BFAC-5C7D496DBAAF}"/>
+              </a:ext>
+            </a:extLst>
+          </p:cNvPr>
+          <p:cNvPicPr>
+            <a:picLocks noChangeAspect="1"/>
+          </p:cNvPicPr>
+          <p:nvPr/>
+        </p:nvPicPr>
+        <p:blipFill>
+          <a:blip r:embed="rId7"/>
+          <a:stretch>
+            <a:fillRect/>
+          </a:stretch>
+        </p:blipFill>
+        <p:spPr>
+          <a:xfrm>
+            <a:off x="8125024" y="3766029"/>
+            <a:ext cx="1363007" cy="1213148"/>
+          </a:xfrm>
+          <a:prstGeom prst="rect">
+            <a:avLst/>
+          </a:prstGeom>
+        </p:spPr>
+      </p:pic>
+    </p:spTree>
+    <p:extLst>
+      <p:ext uri="{BB962C8B-B14F-4D97-AF65-F5344CB8AC3E}">
+        <p14:creationId xmlns:p14="http://schemas.microsoft.com/office/powerpoint/2010/main" val="508528143"/>
+      </p:ext>
+    </p:extLst>
+  </p:cSld>
+  <p:clrMapOvr>
+    <a:masterClrMapping/>
+  </p:clrMapOvr>
+</p:sld>
+</file>
+
+<file path=ppt/slides/slide12.xml><?xml version="1.0" encoding="utf-8"?>
+<p:sld xmlns:a="http://schemas.openxmlformats.org/drawingml/2006/main" xmlns:r="http://schemas.openxmlformats.org/officeDocument/2006/relationships" xmlns:p="http://schemas.openxmlformats.org/presentationml/2006/main">
+  <p:cSld>
+    <p:spTree>
+      <p:nvGrpSpPr>
+        <p:cNvPr id="1" name=""/>
+        <p:cNvGrpSpPr/>
+        <p:nvPr/>
+      </p:nvGrpSpPr>
+      <p:grpSpPr>
+        <a:xfrm>
+          <a:off x="0" y="0"/>
+          <a:ext cx="0" cy="0"/>
+          <a:chOff x="0" y="0"/>
+          <a:chExt cx="0" cy="0"/>
+        </a:xfrm>
+      </p:grpSpPr>
+      <p:sp>
+        <p:nvSpPr>
+          <p:cNvPr id="3" name="Title 1">
+            <a:extLst>
+              <a:ext uri="{FF2B5EF4-FFF2-40B4-BE49-F238E27FC236}">
+                <a16:creationId xmlns:a16="http://schemas.microsoft.com/office/drawing/2014/main" id="{D01BC3C9-6049-4573-A85A-1A9BC79968FB}"/>
+              </a:ext>
+            </a:extLst>
+          </p:cNvPr>
+          <p:cNvSpPr txBox="1">
+            <a:spLocks/>
+          </p:cNvSpPr>
+          <p:nvPr/>
+        </p:nvSpPr>
+        <p:spPr>
+          <a:xfrm>
+            <a:off x="140369" y="51301"/>
+            <a:ext cx="7303168" cy="629486"/>
+          </a:xfrm>
+          <a:prstGeom prst="rect">
+            <a:avLst/>
+          </a:prstGeom>
+        </p:spPr>
+        <p:txBody>
+          <a:bodyPr vert="horz" lIns="91440" tIns="45720" rIns="91440" bIns="45720" rtlCol="0" anchor="ctr">
+            <a:normAutofit fontScale="90000" lnSpcReduction="10000"/>
+          </a:bodyPr>
+          <a:lstStyle>
+            <a:lvl1pPr algn="l" defTabSz="914400" rtl="0" eaLnBrk="1" latinLnBrk="0" hangingPunct="1">
+              <a:lnSpc>
+                <a:spcPct val="90000"/>
+              </a:lnSpc>
+              <a:spcBef>
+                <a:spcPct val="0"/>
+              </a:spcBef>
+              <a:buNone/>
+              <a:defRPr sz="4400" kern="1200">
+                <a:solidFill>
+                  <a:schemeClr val="tx1"/>
+                </a:solidFill>
+                <a:latin typeface="+mj-lt"/>
+                <a:ea typeface="+mj-ea"/>
+                <a:cs typeface="+mj-cs"/>
+              </a:defRPr>
+            </a:lvl1pPr>
+          </a:lstStyle>
+          <a:p>
+            <a:r>
+              <a:rPr lang="en-US" dirty="0"/>
+              <a:t>Simple Log Progression I</a:t>
+            </a:r>
+          </a:p>
+        </p:txBody>
+      </p:sp>
+      <p:pic>
+        <p:nvPicPr>
+          <p:cNvPr id="4" name="Picture 3">
+            <a:extLst>
+              <a:ext uri="{FF2B5EF4-FFF2-40B4-BE49-F238E27FC236}">
+                <a16:creationId xmlns:a16="http://schemas.microsoft.com/office/drawing/2014/main" id="{5CAB5A15-3F38-4571-B80E-0BF8859F6C00}"/>
+              </a:ext>
+            </a:extLst>
+          </p:cNvPr>
+          <p:cNvPicPr>
+            <a:picLocks noChangeAspect="1"/>
+          </p:cNvPicPr>
+          <p:nvPr/>
+        </p:nvPicPr>
+        <p:blipFill>
+          <a:blip r:embed="rId2"/>
+          <a:stretch>
+            <a:fillRect/>
+          </a:stretch>
+        </p:blipFill>
+        <p:spPr>
+          <a:xfrm>
+            <a:off x="140369" y="680787"/>
+            <a:ext cx="5000625" cy="3200400"/>
+          </a:xfrm>
+          <a:prstGeom prst="rect">
+            <a:avLst/>
+          </a:prstGeom>
+        </p:spPr>
+      </p:pic>
+      <p:sp>
+        <p:nvSpPr>
+          <p:cNvPr id="5" name="TextBox 4">
+            <a:extLst>
+              <a:ext uri="{FF2B5EF4-FFF2-40B4-BE49-F238E27FC236}">
+                <a16:creationId xmlns:a16="http://schemas.microsoft.com/office/drawing/2014/main" id="{53FC46DE-E307-49C9-BA79-475C67160ABC}"/>
+              </a:ext>
+            </a:extLst>
+          </p:cNvPr>
+          <p:cNvSpPr txBox="1"/>
+          <p:nvPr/>
+        </p:nvSpPr>
+        <p:spPr>
+          <a:xfrm>
+            <a:off x="140367" y="3881187"/>
+            <a:ext cx="5000624" cy="923330"/>
+          </a:xfrm>
+          <a:prstGeom prst="rect">
+            <a:avLst/>
+          </a:prstGeom>
+          <a:noFill/>
+        </p:spPr>
+        <p:txBody>
+          <a:bodyPr wrap="square" rtlCol="0">
+            <a:spAutoFit/>
+          </a:bodyPr>
+          <a:lstStyle/>
+          <a:p>
+            <a:r>
+              <a:rPr lang="en-US" dirty="0">
+                <a:solidFill>
+                  <a:schemeClr val="bg1"/>
+                </a:solidFill>
+              </a:rPr>
+              <a:t>Euribor3m not significant here wow! From future models and selections looks like we only need one of either Euribor3m or nr. employed</a:t>
+            </a:r>
+          </a:p>
+        </p:txBody>
+      </p:sp>
+      <p:pic>
+        <p:nvPicPr>
+          <p:cNvPr id="6" name="Picture 5">
+            <a:extLst>
+              <a:ext uri="{FF2B5EF4-FFF2-40B4-BE49-F238E27FC236}">
+                <a16:creationId xmlns:a16="http://schemas.microsoft.com/office/drawing/2014/main" id="{8146BE13-0898-4FAA-B6DC-1AE90DF6AAF2}"/>
+              </a:ext>
+            </a:extLst>
+          </p:cNvPr>
+          <p:cNvPicPr>
+            <a:picLocks noChangeAspect="1"/>
+          </p:cNvPicPr>
+          <p:nvPr/>
+        </p:nvPicPr>
+        <p:blipFill>
+          <a:blip r:embed="rId3"/>
+          <a:stretch>
+            <a:fillRect/>
+          </a:stretch>
+        </p:blipFill>
+        <p:spPr>
+          <a:xfrm>
+            <a:off x="6021804" y="307236"/>
+            <a:ext cx="4023895" cy="3575161"/>
+          </a:xfrm>
+          <a:prstGeom prst="rect">
+            <a:avLst/>
+          </a:prstGeom>
+        </p:spPr>
+      </p:pic>
+      <p:pic>
+        <p:nvPicPr>
+          <p:cNvPr id="7" name="Picture 6">
+            <a:extLst>
+              <a:ext uri="{FF2B5EF4-FFF2-40B4-BE49-F238E27FC236}">
+                <a16:creationId xmlns:a16="http://schemas.microsoft.com/office/drawing/2014/main" id="{10360EF6-A395-4C65-A2F9-30754C17A6DA}"/>
+              </a:ext>
+            </a:extLst>
+          </p:cNvPr>
+          <p:cNvPicPr>
+            <a:picLocks noChangeAspect="1"/>
+          </p:cNvPicPr>
+          <p:nvPr/>
+        </p:nvPicPr>
+        <p:blipFill>
+          <a:blip r:embed="rId4"/>
+          <a:stretch>
+            <a:fillRect/>
+          </a:stretch>
+        </p:blipFill>
+        <p:spPr>
+          <a:xfrm>
+            <a:off x="8388984" y="3881188"/>
+            <a:ext cx="1656715" cy="1409444"/>
+          </a:xfrm>
+          <a:prstGeom prst="rect">
+            <a:avLst/>
+          </a:prstGeom>
+        </p:spPr>
+      </p:pic>
+      <p:pic>
+        <p:nvPicPr>
+          <p:cNvPr id="8" name="Picture 7">
+            <a:extLst>
+              <a:ext uri="{FF2B5EF4-FFF2-40B4-BE49-F238E27FC236}">
+                <a16:creationId xmlns:a16="http://schemas.microsoft.com/office/drawing/2014/main" id="{66035BA0-FFDC-49D2-9507-D43227A8DE0C}"/>
+              </a:ext>
+            </a:extLst>
+          </p:cNvPr>
+          <p:cNvPicPr>
+            <a:picLocks noChangeAspect="1"/>
+          </p:cNvPicPr>
+          <p:nvPr/>
+        </p:nvPicPr>
+        <p:blipFill>
+          <a:blip r:embed="rId5"/>
+          <a:stretch>
+            <a:fillRect/>
+          </a:stretch>
+        </p:blipFill>
+        <p:spPr>
+          <a:xfrm>
+            <a:off x="6021805" y="3881187"/>
+            <a:ext cx="2367177" cy="1460886"/>
+          </a:xfrm>
+          <a:prstGeom prst="rect">
+            <a:avLst/>
+          </a:prstGeom>
+        </p:spPr>
+      </p:pic>
+    </p:spTree>
+    <p:extLst>
+      <p:ext uri="{BB962C8B-B14F-4D97-AF65-F5344CB8AC3E}">
+        <p14:creationId xmlns:p14="http://schemas.microsoft.com/office/powerpoint/2010/main" val="2872185362"/>
+      </p:ext>
+    </p:extLst>
+  </p:cSld>
+  <p:clrMapOvr>
+    <a:masterClrMapping/>
+  </p:clrMapOvr>
+</p:sld>
+</file>
+
+<file path=ppt/slides/slide13.xml><?xml version="1.0" encoding="utf-8"?>
+<p:sld xmlns:a="http://schemas.openxmlformats.org/drawingml/2006/main" xmlns:r="http://schemas.openxmlformats.org/officeDocument/2006/relationships" xmlns:p="http://schemas.openxmlformats.org/presentationml/2006/main">
+  <p:cSld>
+    <p:spTree>
+      <p:nvGrpSpPr>
+        <p:cNvPr id="1" name=""/>
+        <p:cNvGrpSpPr/>
+        <p:nvPr/>
+      </p:nvGrpSpPr>
+      <p:grpSpPr>
+        <a:xfrm>
+          <a:off x="0" y="0"/>
+          <a:ext cx="0" cy="0"/>
+          <a:chOff x="0" y="0"/>
+          <a:chExt cx="0" cy="0"/>
+        </a:xfrm>
+      </p:grpSpPr>
+      <p:sp>
+        <p:nvSpPr>
+          <p:cNvPr id="4" name="Title 1">
+            <a:extLst>
+              <a:ext uri="{FF2B5EF4-FFF2-40B4-BE49-F238E27FC236}">
+                <a16:creationId xmlns:a16="http://schemas.microsoft.com/office/drawing/2014/main" id="{E0F2B881-9598-4F2E-8071-F665B6232AD4}"/>
+              </a:ext>
+            </a:extLst>
+          </p:cNvPr>
+          <p:cNvSpPr txBox="1">
+            <a:spLocks/>
+          </p:cNvSpPr>
+          <p:nvPr/>
+        </p:nvSpPr>
+        <p:spPr>
+          <a:xfrm>
+            <a:off x="140369" y="51301"/>
+            <a:ext cx="7303168" cy="629486"/>
+          </a:xfrm>
+          <a:prstGeom prst="rect">
+            <a:avLst/>
+          </a:prstGeom>
+        </p:spPr>
+        <p:txBody>
+          <a:bodyPr vert="horz" lIns="91440" tIns="45720" rIns="91440" bIns="45720" rtlCol="0" anchor="ctr">
+            <a:normAutofit fontScale="90000" lnSpcReduction="10000"/>
+          </a:bodyPr>
+          <a:lstStyle>
+            <a:lvl1pPr algn="l" defTabSz="914400" rtl="0" eaLnBrk="1" latinLnBrk="0" hangingPunct="1">
+              <a:lnSpc>
+                <a:spcPct val="90000"/>
+              </a:lnSpc>
+              <a:spcBef>
+                <a:spcPct val="0"/>
+              </a:spcBef>
+              <a:buNone/>
+              <a:defRPr sz="4400" kern="1200">
+                <a:solidFill>
+                  <a:schemeClr val="tx1"/>
+                </a:solidFill>
+                <a:latin typeface="+mj-lt"/>
+                <a:ea typeface="+mj-ea"/>
+                <a:cs typeface="+mj-cs"/>
+              </a:defRPr>
+            </a:lvl1pPr>
+          </a:lstStyle>
+          <a:p>
+            <a:r>
+              <a:rPr lang="en-US" dirty="0"/>
+              <a:t>Simple Log Progression I</a:t>
+            </a:r>
+          </a:p>
+        </p:txBody>
+      </p:sp>
+      <p:pic>
+        <p:nvPicPr>
+          <p:cNvPr id="5" name="Picture 4">
+            <a:extLst>
+              <a:ext uri="{FF2B5EF4-FFF2-40B4-BE49-F238E27FC236}">
+                <a16:creationId xmlns:a16="http://schemas.microsoft.com/office/drawing/2014/main" id="{DC86E060-F03E-4ACF-870F-728AFBC76CDB}"/>
+              </a:ext>
+            </a:extLst>
+          </p:cNvPr>
+          <p:cNvPicPr>
+            <a:picLocks noChangeAspect="1"/>
+          </p:cNvPicPr>
+          <p:nvPr/>
+        </p:nvPicPr>
+        <p:blipFill>
+          <a:blip r:embed="rId2"/>
+          <a:stretch>
+            <a:fillRect/>
+          </a:stretch>
+        </p:blipFill>
+        <p:spPr>
+          <a:xfrm>
+            <a:off x="140370" y="680787"/>
+            <a:ext cx="3292642" cy="3098264"/>
+          </a:xfrm>
+          <a:prstGeom prst="rect">
+            <a:avLst/>
+          </a:prstGeom>
+        </p:spPr>
+      </p:pic>
+      <p:sp>
+        <p:nvSpPr>
+          <p:cNvPr id="6" name="TextBox 5">
+            <a:extLst>
+              <a:ext uri="{FF2B5EF4-FFF2-40B4-BE49-F238E27FC236}">
+                <a16:creationId xmlns:a16="http://schemas.microsoft.com/office/drawing/2014/main" id="{32506A7F-9681-4D6C-9609-670DA53B07A2}"/>
+              </a:ext>
+            </a:extLst>
+          </p:cNvPr>
+          <p:cNvSpPr txBox="1"/>
+          <p:nvPr/>
+        </p:nvSpPr>
+        <p:spPr>
+          <a:xfrm>
+            <a:off x="3433012" y="680787"/>
+            <a:ext cx="2767263" cy="738664"/>
+          </a:xfrm>
+          <a:prstGeom prst="rect">
+            <a:avLst/>
+          </a:prstGeom>
+          <a:noFill/>
+        </p:spPr>
+        <p:txBody>
+          <a:bodyPr wrap="square" rtlCol="0">
+            <a:spAutoFit/>
+          </a:bodyPr>
+          <a:lstStyle/>
+          <a:p>
+            <a:r>
+              <a:rPr lang="en-US" sz="1400" dirty="0"/>
+              <a:t>Start of VIF issues maybe scale </a:t>
+            </a:r>
+            <a:r>
+              <a:rPr lang="en-US" sz="1400" dirty="0" err="1"/>
+              <a:t>emp.var.rate</a:t>
+            </a:r>
+            <a:r>
+              <a:rPr lang="en-US" sz="1400" dirty="0"/>
+              <a:t> – </a:t>
+            </a:r>
+            <a:r>
+              <a:rPr lang="en-US" sz="1400" dirty="0" err="1"/>
+              <a:t>corr</a:t>
+            </a:r>
+            <a:r>
+              <a:rPr lang="en-US" sz="1400" dirty="0"/>
+              <a:t> is 0.91 between them</a:t>
+            </a:r>
+          </a:p>
+        </p:txBody>
+      </p:sp>
+      <p:pic>
+        <p:nvPicPr>
+          <p:cNvPr id="7" name="Picture 6">
+            <a:extLst>
+              <a:ext uri="{FF2B5EF4-FFF2-40B4-BE49-F238E27FC236}">
+                <a16:creationId xmlns:a16="http://schemas.microsoft.com/office/drawing/2014/main" id="{72730832-D733-4BE4-B390-2A6BAB4706FB}"/>
+              </a:ext>
+            </a:extLst>
+          </p:cNvPr>
+          <p:cNvPicPr>
+            <a:picLocks noChangeAspect="1"/>
+          </p:cNvPicPr>
+          <p:nvPr/>
+        </p:nvPicPr>
+        <p:blipFill>
+          <a:blip r:embed="rId3"/>
+          <a:stretch>
+            <a:fillRect/>
+          </a:stretch>
+        </p:blipFill>
+        <p:spPr>
+          <a:xfrm>
+            <a:off x="3433012" y="2536923"/>
+            <a:ext cx="1426968" cy="1242128"/>
+          </a:xfrm>
+          <a:prstGeom prst="rect">
+            <a:avLst/>
+          </a:prstGeom>
+        </p:spPr>
+      </p:pic>
+      <p:pic>
+        <p:nvPicPr>
+          <p:cNvPr id="8" name="Picture 7">
+            <a:extLst>
+              <a:ext uri="{FF2B5EF4-FFF2-40B4-BE49-F238E27FC236}">
+                <a16:creationId xmlns:a16="http://schemas.microsoft.com/office/drawing/2014/main" id="{570C9803-5730-4EC9-814F-8BF23A95FA87}"/>
+              </a:ext>
+            </a:extLst>
+          </p:cNvPr>
+          <p:cNvPicPr>
+            <a:picLocks noChangeAspect="1"/>
+          </p:cNvPicPr>
+          <p:nvPr/>
+        </p:nvPicPr>
+        <p:blipFill>
+          <a:blip r:embed="rId4"/>
+          <a:stretch>
+            <a:fillRect/>
+          </a:stretch>
+        </p:blipFill>
+        <p:spPr>
+          <a:xfrm>
+            <a:off x="6200275" y="139114"/>
+            <a:ext cx="4056119" cy="3639937"/>
+          </a:xfrm>
+          <a:prstGeom prst="rect">
+            <a:avLst/>
+          </a:prstGeom>
+        </p:spPr>
+      </p:pic>
+      <p:pic>
+        <p:nvPicPr>
+          <p:cNvPr id="9" name="Picture 8">
+            <a:extLst>
+              <a:ext uri="{FF2B5EF4-FFF2-40B4-BE49-F238E27FC236}">
+                <a16:creationId xmlns:a16="http://schemas.microsoft.com/office/drawing/2014/main" id="{11D4D6DC-42EC-4BBF-B719-EF58E7BCD10E}"/>
+              </a:ext>
+            </a:extLst>
+          </p:cNvPr>
+          <p:cNvPicPr>
+            <a:picLocks noChangeAspect="1"/>
+          </p:cNvPicPr>
+          <p:nvPr/>
+        </p:nvPicPr>
+        <p:blipFill>
+          <a:blip r:embed="rId5"/>
+          <a:stretch>
+            <a:fillRect/>
+          </a:stretch>
+        </p:blipFill>
+        <p:spPr>
+          <a:xfrm>
+            <a:off x="10256394" y="2710150"/>
+            <a:ext cx="1160521" cy="1068901"/>
+          </a:xfrm>
+          <a:prstGeom prst="rect">
+            <a:avLst/>
+          </a:prstGeom>
+        </p:spPr>
+      </p:pic>
+      <p:sp>
+        <p:nvSpPr>
+          <p:cNvPr id="10" name="TextBox 9">
+            <a:extLst>
+              <a:ext uri="{FF2B5EF4-FFF2-40B4-BE49-F238E27FC236}">
+                <a16:creationId xmlns:a16="http://schemas.microsoft.com/office/drawing/2014/main" id="{7AB0D746-153E-416D-911A-1D85FAC2D8D5}"/>
+              </a:ext>
+            </a:extLst>
+          </p:cNvPr>
+          <p:cNvSpPr txBox="1"/>
+          <p:nvPr/>
+        </p:nvSpPr>
+        <p:spPr>
+          <a:xfrm>
+            <a:off x="7379369" y="3866864"/>
+            <a:ext cx="2390273" cy="307777"/>
+          </a:xfrm>
+          <a:prstGeom prst="rect">
+            <a:avLst/>
+          </a:prstGeom>
+          <a:noFill/>
+        </p:spPr>
+        <p:txBody>
+          <a:bodyPr wrap="square" rtlCol="0">
+            <a:spAutoFit/>
+          </a:bodyPr>
+          <a:lstStyle/>
+          <a:p>
+            <a:r>
+              <a:rPr lang="en-US" sz="1400" dirty="0"/>
+              <a:t>Splitting hairs now</a:t>
+            </a:r>
+          </a:p>
+        </p:txBody>
+      </p:sp>
+    </p:spTree>
+    <p:extLst>
+      <p:ext uri="{BB962C8B-B14F-4D97-AF65-F5344CB8AC3E}">
+        <p14:creationId xmlns:p14="http://schemas.microsoft.com/office/powerpoint/2010/main" val="817744440"/>
+      </p:ext>
+    </p:extLst>
+  </p:cSld>
+  <p:clrMapOvr>
+    <a:masterClrMapping/>
+  </p:clrMapOvr>
+</p:sld>
+</file>
+
+<file path=ppt/slides/slide14.xml><?xml version="1.0" encoding="utf-8"?>
+<p:sld xmlns:a="http://schemas.openxmlformats.org/drawingml/2006/main" xmlns:r="http://schemas.openxmlformats.org/officeDocument/2006/relationships" xmlns:p="http://schemas.openxmlformats.org/presentationml/2006/main">
+  <p:cSld>
+    <p:spTree>
+      <p:nvGrpSpPr>
+        <p:cNvPr id="1" name=""/>
+        <p:cNvGrpSpPr/>
+        <p:nvPr/>
+      </p:nvGrpSpPr>
+      <p:grpSpPr>
+        <a:xfrm>
+          <a:off x="0" y="0"/>
+          <a:ext cx="0" cy="0"/>
+          <a:chOff x="0" y="0"/>
+          <a:chExt cx="0" cy="0"/>
+        </a:xfrm>
+      </p:grpSpPr>
+      <p:pic>
+        <p:nvPicPr>
+          <p:cNvPr id="3" name="Picture 2">
+            <a:extLst>
+              <a:ext uri="{FF2B5EF4-FFF2-40B4-BE49-F238E27FC236}">
+                <a16:creationId xmlns:a16="http://schemas.microsoft.com/office/drawing/2014/main" id="{F6418929-7FFA-4056-BF9F-F2AC3ED1C52B}"/>
+              </a:ext>
+            </a:extLst>
+          </p:cNvPr>
+          <p:cNvPicPr>
+            <a:picLocks noChangeAspect="1"/>
+          </p:cNvPicPr>
+          <p:nvPr/>
+        </p:nvPicPr>
+        <p:blipFill>
+          <a:blip r:embed="rId2"/>
+          <a:stretch>
+            <a:fillRect/>
+          </a:stretch>
+        </p:blipFill>
+        <p:spPr>
+          <a:xfrm>
+            <a:off x="140369" y="680787"/>
+            <a:ext cx="4311315" cy="3610119"/>
+          </a:xfrm>
+          <a:prstGeom prst="rect">
+            <a:avLst/>
+          </a:prstGeom>
+        </p:spPr>
+      </p:pic>
+      <p:sp>
+        <p:nvSpPr>
+          <p:cNvPr id="5" name="Title 1">
+            <a:extLst>
+              <a:ext uri="{FF2B5EF4-FFF2-40B4-BE49-F238E27FC236}">
+                <a16:creationId xmlns:a16="http://schemas.microsoft.com/office/drawing/2014/main" id="{DED681CB-2B58-48E3-B041-0CB40CE0C939}"/>
+              </a:ext>
+            </a:extLst>
+          </p:cNvPr>
+          <p:cNvSpPr txBox="1">
+            <a:spLocks/>
+          </p:cNvSpPr>
+          <p:nvPr/>
+        </p:nvSpPr>
+        <p:spPr>
+          <a:xfrm>
+            <a:off x="140369" y="51301"/>
+            <a:ext cx="7303168" cy="629486"/>
+          </a:xfrm>
+          <a:prstGeom prst="rect">
+            <a:avLst/>
+          </a:prstGeom>
+        </p:spPr>
+        <p:txBody>
+          <a:bodyPr vert="horz" lIns="91440" tIns="45720" rIns="91440" bIns="45720" rtlCol="0" anchor="ctr">
+            <a:normAutofit fontScale="90000" lnSpcReduction="10000"/>
+          </a:bodyPr>
+          <a:lstStyle>
+            <a:lvl1pPr algn="l" defTabSz="914400" rtl="0" eaLnBrk="1" latinLnBrk="0" hangingPunct="1">
+              <a:lnSpc>
+                <a:spcPct val="90000"/>
+              </a:lnSpc>
+              <a:spcBef>
+                <a:spcPct val="0"/>
+              </a:spcBef>
+              <a:buNone/>
+              <a:defRPr sz="4400" kern="1200">
+                <a:solidFill>
+                  <a:schemeClr val="tx1"/>
+                </a:solidFill>
+                <a:latin typeface="+mj-lt"/>
+                <a:ea typeface="+mj-ea"/>
+                <a:cs typeface="+mj-cs"/>
+              </a:defRPr>
+            </a:lvl1pPr>
+          </a:lstStyle>
+          <a:p>
+            <a:r>
+              <a:rPr lang="en-US" dirty="0"/>
+              <a:t>Simple Log Progression I</a:t>
+            </a:r>
+          </a:p>
+        </p:txBody>
+      </p:sp>
+      <p:sp>
+        <p:nvSpPr>
+          <p:cNvPr id="6" name="TextBox 5">
+            <a:extLst>
+              <a:ext uri="{FF2B5EF4-FFF2-40B4-BE49-F238E27FC236}">
+                <a16:creationId xmlns:a16="http://schemas.microsoft.com/office/drawing/2014/main" id="{196F16D9-AAFE-4259-BE9C-6DACBD646422}"/>
+              </a:ext>
+            </a:extLst>
+          </p:cNvPr>
+          <p:cNvSpPr txBox="1"/>
+          <p:nvPr/>
+        </p:nvSpPr>
+        <p:spPr>
+          <a:xfrm>
+            <a:off x="140369" y="4320227"/>
+            <a:ext cx="4042611" cy="1200329"/>
+          </a:xfrm>
+          <a:prstGeom prst="rect">
+            <a:avLst/>
+          </a:prstGeom>
+          <a:noFill/>
+        </p:spPr>
+        <p:txBody>
+          <a:bodyPr wrap="square" rtlCol="0">
+            <a:spAutoFit/>
+          </a:bodyPr>
+          <a:lstStyle/>
+          <a:p>
+            <a:r>
+              <a:rPr lang="en-US" dirty="0"/>
+              <a:t>Attempted to scale, results mixed. Can get to comparable accuracies, moves the cut-off to like 0.65, no more confidence intervals for those, and VIF is still there….  </a:t>
+            </a:r>
+          </a:p>
+        </p:txBody>
+      </p:sp>
+      <p:pic>
+        <p:nvPicPr>
+          <p:cNvPr id="7" name="Picture 6">
+            <a:extLst>
+              <a:ext uri="{FF2B5EF4-FFF2-40B4-BE49-F238E27FC236}">
+                <a16:creationId xmlns:a16="http://schemas.microsoft.com/office/drawing/2014/main" id="{2B0989E8-21EA-4980-BE65-62B7628BB108}"/>
+              </a:ext>
+            </a:extLst>
+          </p:cNvPr>
+          <p:cNvPicPr>
+            <a:picLocks noChangeAspect="1"/>
+          </p:cNvPicPr>
+          <p:nvPr/>
+        </p:nvPicPr>
+        <p:blipFill>
+          <a:blip r:embed="rId3"/>
+          <a:stretch>
+            <a:fillRect/>
+          </a:stretch>
+        </p:blipFill>
+        <p:spPr>
+          <a:xfrm>
+            <a:off x="4451684" y="2624031"/>
+            <a:ext cx="1762125" cy="1666875"/>
+          </a:xfrm>
+          <a:prstGeom prst="rect">
+            <a:avLst/>
+          </a:prstGeom>
+        </p:spPr>
+      </p:pic>
+      <p:pic>
+        <p:nvPicPr>
+          <p:cNvPr id="9" name="Picture 8">
+            <a:extLst>
+              <a:ext uri="{FF2B5EF4-FFF2-40B4-BE49-F238E27FC236}">
+                <a16:creationId xmlns:a16="http://schemas.microsoft.com/office/drawing/2014/main" id="{3199A5A0-D543-4CA0-B628-3D0E339AC0C2}"/>
+              </a:ext>
+            </a:extLst>
+          </p:cNvPr>
+          <p:cNvPicPr>
+            <a:picLocks noChangeAspect="1"/>
+          </p:cNvPicPr>
+          <p:nvPr/>
+        </p:nvPicPr>
+        <p:blipFill>
+          <a:blip r:embed="rId4"/>
+          <a:stretch>
+            <a:fillRect/>
+          </a:stretch>
+        </p:blipFill>
+        <p:spPr>
+          <a:xfrm>
+            <a:off x="7510219" y="2687052"/>
+            <a:ext cx="3014905" cy="1860627"/>
+          </a:xfrm>
+          <a:prstGeom prst="rect">
+            <a:avLst/>
+          </a:prstGeom>
+        </p:spPr>
+      </p:pic>
+    </p:spTree>
+    <p:extLst>
+      <p:ext uri="{BB962C8B-B14F-4D97-AF65-F5344CB8AC3E}">
+        <p14:creationId xmlns:p14="http://schemas.microsoft.com/office/powerpoint/2010/main" val="3057611865"/>
+      </p:ext>
+    </p:extLst>
+  </p:cSld>
+  <p:clrMapOvr>
+    <a:masterClrMapping/>
+  </p:clrMapOvr>
+</p:sld>
+</file>
+
+<file path=ppt/slides/slide15.xml><?xml version="1.0" encoding="utf-8"?>
+<p:sld xmlns:a="http://schemas.openxmlformats.org/drawingml/2006/main" xmlns:r="http://schemas.openxmlformats.org/officeDocument/2006/relationships" xmlns:p="http://schemas.openxmlformats.org/presentationml/2006/main">
+  <p:cSld>
+    <p:spTree>
+      <p:nvGrpSpPr>
+        <p:cNvPr id="1" name=""/>
+        <p:cNvGrpSpPr/>
+        <p:nvPr/>
+      </p:nvGrpSpPr>
+      <p:grpSpPr>
+        <a:xfrm>
+          <a:off x="0" y="0"/>
+          <a:ext cx="0" cy="0"/>
+          <a:chOff x="0" y="0"/>
+          <a:chExt cx="0" cy="0"/>
+        </a:xfrm>
+      </p:grpSpPr>
+      <p:sp>
+        <p:nvSpPr>
+          <p:cNvPr id="2" name="Title 1">
+            <a:extLst>
+              <a:ext uri="{FF2B5EF4-FFF2-40B4-BE49-F238E27FC236}">
+                <a16:creationId xmlns:a16="http://schemas.microsoft.com/office/drawing/2014/main" id="{315ACE22-CB24-4B5C-814D-33463B7D4D09}"/>
+              </a:ext>
+            </a:extLst>
+          </p:cNvPr>
+          <p:cNvSpPr>
+            <a:spLocks noGrp="1"/>
+          </p:cNvSpPr>
+          <p:nvPr>
+            <p:ph type="title"/>
+          </p:nvPr>
+        </p:nvSpPr>
+        <p:spPr>
+          <a:xfrm>
+            <a:off x="116305" y="84389"/>
+            <a:ext cx="6428874" cy="781885"/>
+          </a:xfrm>
+        </p:spPr>
+        <p:txBody>
+          <a:bodyPr/>
+          <a:lstStyle/>
+          <a:p>
+            <a:r>
+              <a:rPr lang="en-US" dirty="0"/>
+              <a:t>Simple Log categorical trials</a:t>
+            </a:r>
+          </a:p>
+        </p:txBody>
+      </p:sp>
+      <p:pic>
+        <p:nvPicPr>
+          <p:cNvPr id="3" name="Picture 2">
+            <a:extLst>
+              <a:ext uri="{FF2B5EF4-FFF2-40B4-BE49-F238E27FC236}">
+                <a16:creationId xmlns:a16="http://schemas.microsoft.com/office/drawing/2014/main" id="{BE4121FC-DF0E-4AFE-82EB-B3D5401FCD63}"/>
+              </a:ext>
+            </a:extLst>
+          </p:cNvPr>
+          <p:cNvPicPr>
+            <a:picLocks noChangeAspect="1"/>
+          </p:cNvPicPr>
+          <p:nvPr/>
+        </p:nvPicPr>
+        <p:blipFill>
+          <a:blip r:embed="rId2"/>
+          <a:stretch>
+            <a:fillRect/>
+          </a:stretch>
+        </p:blipFill>
+        <p:spPr>
+          <a:xfrm>
+            <a:off x="116305" y="866273"/>
+            <a:ext cx="3116179" cy="2389739"/>
+          </a:xfrm>
+          <a:prstGeom prst="rect">
+            <a:avLst/>
+          </a:prstGeom>
+        </p:spPr>
+      </p:pic>
+      <p:pic>
+        <p:nvPicPr>
+          <p:cNvPr id="4" name="Picture 3">
+            <a:extLst>
+              <a:ext uri="{FF2B5EF4-FFF2-40B4-BE49-F238E27FC236}">
+                <a16:creationId xmlns:a16="http://schemas.microsoft.com/office/drawing/2014/main" id="{ADBC6776-48F5-486E-AD93-830EE03DB486}"/>
+              </a:ext>
+            </a:extLst>
+          </p:cNvPr>
+          <p:cNvPicPr>
+            <a:picLocks noChangeAspect="1"/>
+          </p:cNvPicPr>
+          <p:nvPr/>
+        </p:nvPicPr>
+        <p:blipFill>
+          <a:blip r:embed="rId3"/>
+          <a:stretch>
+            <a:fillRect/>
+          </a:stretch>
+        </p:blipFill>
+        <p:spPr>
+          <a:xfrm>
+            <a:off x="3381375" y="866274"/>
+            <a:ext cx="3116179" cy="2394538"/>
+          </a:xfrm>
+          <a:prstGeom prst="rect">
+            <a:avLst/>
+          </a:prstGeom>
+        </p:spPr>
+      </p:pic>
+      <p:pic>
+        <p:nvPicPr>
+          <p:cNvPr id="5" name="Picture 4">
+            <a:extLst>
+              <a:ext uri="{FF2B5EF4-FFF2-40B4-BE49-F238E27FC236}">
+                <a16:creationId xmlns:a16="http://schemas.microsoft.com/office/drawing/2014/main" id="{FD218591-B983-4C74-8EB4-33C0D2A3E52D}"/>
+              </a:ext>
+            </a:extLst>
+          </p:cNvPr>
+          <p:cNvPicPr>
+            <a:picLocks noChangeAspect="1"/>
+          </p:cNvPicPr>
+          <p:nvPr/>
+        </p:nvPicPr>
+        <p:blipFill>
+          <a:blip r:embed="rId4"/>
+          <a:stretch>
+            <a:fillRect/>
+          </a:stretch>
+        </p:blipFill>
+        <p:spPr>
+          <a:xfrm>
+            <a:off x="6646445" y="866274"/>
+            <a:ext cx="3380081" cy="2389739"/>
+          </a:xfrm>
+          <a:prstGeom prst="rect">
+            <a:avLst/>
+          </a:prstGeom>
+        </p:spPr>
+      </p:pic>
+      <p:pic>
+        <p:nvPicPr>
+          <p:cNvPr id="6" name="Picture 5">
+            <a:extLst>
+              <a:ext uri="{FF2B5EF4-FFF2-40B4-BE49-F238E27FC236}">
+                <a16:creationId xmlns:a16="http://schemas.microsoft.com/office/drawing/2014/main" id="{91393605-542C-4EF5-818B-A2918B49559A}"/>
+              </a:ext>
+            </a:extLst>
+          </p:cNvPr>
+          <p:cNvPicPr>
+            <a:picLocks noChangeAspect="1"/>
+          </p:cNvPicPr>
+          <p:nvPr/>
+        </p:nvPicPr>
+        <p:blipFill>
+          <a:blip r:embed="rId5"/>
+          <a:stretch>
+            <a:fillRect/>
+          </a:stretch>
+        </p:blipFill>
+        <p:spPr>
+          <a:xfrm>
+            <a:off x="174128" y="3424287"/>
+            <a:ext cx="3116932" cy="1548816"/>
+          </a:xfrm>
+          <a:prstGeom prst="rect">
+            <a:avLst/>
+          </a:prstGeom>
+        </p:spPr>
+      </p:pic>
+      <p:pic>
+        <p:nvPicPr>
+          <p:cNvPr id="7" name="Picture 6">
+            <a:extLst>
+              <a:ext uri="{FF2B5EF4-FFF2-40B4-BE49-F238E27FC236}">
+                <a16:creationId xmlns:a16="http://schemas.microsoft.com/office/drawing/2014/main" id="{45B0427A-9BFF-4100-9F47-A78E0444A794}"/>
+              </a:ext>
+            </a:extLst>
+          </p:cNvPr>
+          <p:cNvPicPr>
+            <a:picLocks noChangeAspect="1"/>
+          </p:cNvPicPr>
+          <p:nvPr/>
+        </p:nvPicPr>
+        <p:blipFill>
+          <a:blip r:embed="rId6"/>
+          <a:stretch>
+            <a:fillRect/>
+          </a:stretch>
+        </p:blipFill>
+        <p:spPr>
+          <a:xfrm>
+            <a:off x="3381375" y="3429000"/>
+            <a:ext cx="3116179" cy="1624390"/>
+          </a:xfrm>
+          <a:prstGeom prst="rect">
+            <a:avLst/>
+          </a:prstGeom>
+        </p:spPr>
+      </p:pic>
+      <p:sp>
+        <p:nvSpPr>
+          <p:cNvPr id="8" name="TextBox 7">
+            <a:extLst>
+              <a:ext uri="{FF2B5EF4-FFF2-40B4-BE49-F238E27FC236}">
+                <a16:creationId xmlns:a16="http://schemas.microsoft.com/office/drawing/2014/main" id="{7AAC48FE-915C-4899-956D-B9260B45D5B9}"/>
+              </a:ext>
+            </a:extLst>
+          </p:cNvPr>
+          <p:cNvSpPr txBox="1"/>
+          <p:nvPr/>
+        </p:nvSpPr>
+        <p:spPr>
+          <a:xfrm>
+            <a:off x="6827075" y="3256013"/>
+            <a:ext cx="3018819" cy="1200329"/>
+          </a:xfrm>
+          <a:prstGeom prst="rect">
+            <a:avLst/>
+          </a:prstGeom>
+          <a:noFill/>
+        </p:spPr>
+        <p:txBody>
+          <a:bodyPr wrap="square" rtlCol="0">
+            <a:spAutoFit/>
+          </a:bodyPr>
+          <a:lstStyle/>
+          <a:p>
+            <a:r>
+              <a:rPr lang="en-US" dirty="0" err="1">
+                <a:solidFill>
+                  <a:schemeClr val="bg1"/>
+                </a:solidFill>
+              </a:rPr>
+              <a:t>Categoricals</a:t>
+            </a:r>
+            <a:r>
+              <a:rPr lang="en-US" dirty="0">
+                <a:solidFill>
+                  <a:schemeClr val="bg1"/>
+                </a:solidFill>
+              </a:rPr>
+              <a:t> chosen were month and </a:t>
+            </a:r>
+            <a:r>
+              <a:rPr lang="en-US" dirty="0" err="1">
+                <a:solidFill>
+                  <a:schemeClr val="bg1"/>
+                </a:solidFill>
+              </a:rPr>
+              <a:t>poutcome</a:t>
+            </a:r>
+            <a:r>
+              <a:rPr lang="en-US" dirty="0">
+                <a:solidFill>
+                  <a:schemeClr val="bg1"/>
+                </a:solidFill>
+              </a:rPr>
+              <a:t> I will try to add those to the numeric model</a:t>
+            </a:r>
+          </a:p>
+        </p:txBody>
+      </p:sp>
+    </p:spTree>
+    <p:extLst>
+      <p:ext uri="{BB962C8B-B14F-4D97-AF65-F5344CB8AC3E}">
+        <p14:creationId xmlns:p14="http://schemas.microsoft.com/office/powerpoint/2010/main" val="561519625"/>
+      </p:ext>
+    </p:extLst>
+  </p:cSld>
+  <p:clrMapOvr>
+    <a:masterClrMapping/>
+  </p:clrMapOvr>
+</p:sld>
+</file>
+
+<file path=ppt/slides/slide16.xml><?xml version="1.0" encoding="utf-8"?>
+<p:sld xmlns:a="http://schemas.openxmlformats.org/drawingml/2006/main" xmlns:r="http://schemas.openxmlformats.org/officeDocument/2006/relationships" xmlns:p="http://schemas.openxmlformats.org/presentationml/2006/main">
+  <p:cSld>
+    <p:spTree>
+      <p:nvGrpSpPr>
+        <p:cNvPr id="1" name=""/>
+        <p:cNvGrpSpPr/>
+        <p:nvPr/>
+      </p:nvGrpSpPr>
+      <p:grpSpPr>
+        <a:xfrm>
+          <a:off x="0" y="0"/>
+          <a:ext cx="0" cy="0"/>
+          <a:chOff x="0" y="0"/>
+          <a:chExt cx="0" cy="0"/>
+        </a:xfrm>
+      </p:grpSpPr>
+      <p:sp>
+        <p:nvSpPr>
+          <p:cNvPr id="2" name="Title 1">
+            <a:extLst>
+              <a:ext uri="{FF2B5EF4-FFF2-40B4-BE49-F238E27FC236}">
+                <a16:creationId xmlns:a16="http://schemas.microsoft.com/office/drawing/2014/main" id="{B6683676-1A2C-4A91-BB68-8DE785041FE5}"/>
+              </a:ext>
+            </a:extLst>
+          </p:cNvPr>
+          <p:cNvSpPr>
+            <a:spLocks noGrp="1"/>
+          </p:cNvSpPr>
+          <p:nvPr>
+            <p:ph type="title"/>
+          </p:nvPr>
+        </p:nvSpPr>
+        <p:spPr>
+          <a:xfrm>
+            <a:off x="5269833" y="2955926"/>
+            <a:ext cx="6813884" cy="629486"/>
+          </a:xfrm>
+        </p:spPr>
+        <p:txBody>
+          <a:bodyPr>
+            <a:normAutofit fontScale="90000"/>
+          </a:bodyPr>
+          <a:lstStyle/>
+          <a:p>
+            <a:r>
+              <a:rPr lang="en-US" dirty="0">
+                <a:solidFill>
+                  <a:schemeClr val="bg1"/>
+                </a:solidFill>
+              </a:rPr>
+              <a:t>Simple Log Model All Together</a:t>
+            </a:r>
+          </a:p>
+        </p:txBody>
+      </p:sp>
+      <p:pic>
+        <p:nvPicPr>
+          <p:cNvPr id="3" name="Picture 2">
+            <a:extLst>
+              <a:ext uri="{FF2B5EF4-FFF2-40B4-BE49-F238E27FC236}">
+                <a16:creationId xmlns:a16="http://schemas.microsoft.com/office/drawing/2014/main" id="{072AC404-1735-4E88-8650-593762D6AA0A}"/>
+              </a:ext>
+            </a:extLst>
+          </p:cNvPr>
+          <p:cNvPicPr>
+            <a:picLocks noChangeAspect="1"/>
+          </p:cNvPicPr>
+          <p:nvPr/>
+        </p:nvPicPr>
+        <p:blipFill>
+          <a:blip r:embed="rId2"/>
+          <a:stretch>
+            <a:fillRect/>
+          </a:stretch>
+        </p:blipFill>
+        <p:spPr>
+          <a:xfrm>
+            <a:off x="932681" y="341565"/>
+            <a:ext cx="4337152" cy="4356777"/>
+          </a:xfrm>
+          <a:prstGeom prst="rect">
+            <a:avLst/>
+          </a:prstGeom>
+        </p:spPr>
+      </p:pic>
+      <p:pic>
+        <p:nvPicPr>
+          <p:cNvPr id="4" name="Picture 3">
+            <a:extLst>
+              <a:ext uri="{FF2B5EF4-FFF2-40B4-BE49-F238E27FC236}">
+                <a16:creationId xmlns:a16="http://schemas.microsoft.com/office/drawing/2014/main" id="{004B4413-A084-4142-A858-A7EE52B601D8}"/>
+              </a:ext>
+            </a:extLst>
+          </p:cNvPr>
+          <p:cNvPicPr>
+            <a:picLocks noChangeAspect="1"/>
+          </p:cNvPicPr>
+          <p:nvPr/>
+        </p:nvPicPr>
+        <p:blipFill>
+          <a:blip r:embed="rId3"/>
+          <a:stretch>
+            <a:fillRect/>
+          </a:stretch>
+        </p:blipFill>
+        <p:spPr>
+          <a:xfrm>
+            <a:off x="3946359" y="4698342"/>
+            <a:ext cx="1323474" cy="1237627"/>
+          </a:xfrm>
+          <a:prstGeom prst="rect">
+            <a:avLst/>
+          </a:prstGeom>
+        </p:spPr>
+      </p:pic>
+      <p:pic>
+        <p:nvPicPr>
+          <p:cNvPr id="6" name="Picture 5">
+            <a:extLst>
+              <a:ext uri="{FF2B5EF4-FFF2-40B4-BE49-F238E27FC236}">
+                <a16:creationId xmlns:a16="http://schemas.microsoft.com/office/drawing/2014/main" id="{031D4944-E66F-44F9-B231-D66E119C6378}"/>
+              </a:ext>
+            </a:extLst>
+          </p:cNvPr>
+          <p:cNvPicPr>
+            <a:picLocks noChangeAspect="1"/>
+          </p:cNvPicPr>
+          <p:nvPr/>
+        </p:nvPicPr>
+        <p:blipFill>
+          <a:blip r:embed="rId4"/>
+          <a:stretch>
+            <a:fillRect/>
+          </a:stretch>
+        </p:blipFill>
+        <p:spPr>
+          <a:xfrm>
+            <a:off x="932681" y="4698342"/>
+            <a:ext cx="3013678" cy="1859870"/>
+          </a:xfrm>
+          <a:prstGeom prst="rect">
+            <a:avLst/>
+          </a:prstGeom>
+        </p:spPr>
+      </p:pic>
+      <p:sp>
+        <p:nvSpPr>
+          <p:cNvPr id="7" name="Title 1">
+            <a:extLst>
+              <a:ext uri="{FF2B5EF4-FFF2-40B4-BE49-F238E27FC236}">
+                <a16:creationId xmlns:a16="http://schemas.microsoft.com/office/drawing/2014/main" id="{56F6E7DD-AB7E-48AC-8EB3-12EE0C3761AD}"/>
+              </a:ext>
+            </a:extLst>
+          </p:cNvPr>
+          <p:cNvSpPr txBox="1">
+            <a:spLocks/>
+          </p:cNvSpPr>
+          <p:nvPr/>
+        </p:nvSpPr>
+        <p:spPr>
+          <a:xfrm>
+            <a:off x="5422233" y="3108326"/>
+            <a:ext cx="6813884" cy="629486"/>
+          </a:xfrm>
+          <a:prstGeom prst="rect">
+            <a:avLst/>
+          </a:prstGeom>
+        </p:spPr>
+        <p:txBody>
+          <a:bodyPr vert="horz" lIns="91440" tIns="45720" rIns="91440" bIns="45720" rtlCol="0" anchor="ctr">
+            <a:normAutofit fontScale="90000" lnSpcReduction="10000"/>
+          </a:bodyPr>
+          <a:lstStyle>
+            <a:lvl1pPr algn="l" defTabSz="914400" rtl="0" eaLnBrk="1" latinLnBrk="0" hangingPunct="1">
+              <a:lnSpc>
+                <a:spcPct val="90000"/>
+              </a:lnSpc>
+              <a:spcBef>
+                <a:spcPct val="0"/>
+              </a:spcBef>
+              <a:buNone/>
+              <a:defRPr sz="4400" kern="1200">
+                <a:solidFill>
+                  <a:schemeClr val="tx1"/>
+                </a:solidFill>
+                <a:latin typeface="+mj-lt"/>
+                <a:ea typeface="+mj-ea"/>
+                <a:cs typeface="+mj-cs"/>
+              </a:defRPr>
+            </a:lvl1pPr>
+          </a:lstStyle>
+          <a:p>
+            <a:r>
+              <a:rPr lang="en-US" dirty="0">
+                <a:solidFill>
+                  <a:schemeClr val="bg1"/>
+                </a:solidFill>
+              </a:rPr>
+              <a:t>Simple Log Model All Together</a:t>
+            </a:r>
+          </a:p>
+        </p:txBody>
+      </p:sp>
+    </p:spTree>
+    <p:extLst>
+      <p:ext uri="{BB962C8B-B14F-4D97-AF65-F5344CB8AC3E}">
+        <p14:creationId xmlns:p14="http://schemas.microsoft.com/office/powerpoint/2010/main" val="4278318854"/>
+      </p:ext>
+    </p:extLst>
+  </p:cSld>
+  <p:clrMapOvr>
+    <a:masterClrMapping/>
+  </p:clrMapOvr>
+</p:sld>
+</file>
+
+<file path=ppt/slides/slide17.xml><?xml version="1.0" encoding="utf-8"?>
+<p:sld xmlns:a="http://schemas.openxmlformats.org/drawingml/2006/main" xmlns:r="http://schemas.openxmlformats.org/officeDocument/2006/relationships" xmlns:p="http://schemas.openxmlformats.org/presentationml/2006/main">
+  <p:cSld>
+    <p:spTree>
+      <p:nvGrpSpPr>
+        <p:cNvPr id="1" name=""/>
+        <p:cNvGrpSpPr/>
+        <p:nvPr/>
+      </p:nvGrpSpPr>
+      <p:grpSpPr>
+        <a:xfrm>
+          <a:off x="0" y="0"/>
+          <a:ext cx="0" cy="0"/>
+          <a:chOff x="0" y="0"/>
+          <a:chExt cx="0" cy="0"/>
+        </a:xfrm>
+      </p:grpSpPr>
+      <p:sp>
+        <p:nvSpPr>
+          <p:cNvPr id="2" name="Title 1">
+            <a:extLst>
+              <a:ext uri="{FF2B5EF4-FFF2-40B4-BE49-F238E27FC236}">
+                <a16:creationId xmlns:a16="http://schemas.microsoft.com/office/drawing/2014/main" id="{84686279-CF58-4B07-B9BF-E9DE6CB8BDA3}"/>
+              </a:ext>
+            </a:extLst>
+          </p:cNvPr>
+          <p:cNvSpPr>
+            <a:spLocks noGrp="1"/>
+          </p:cNvSpPr>
+          <p:nvPr>
+            <p:ph type="title"/>
+          </p:nvPr>
+        </p:nvSpPr>
+        <p:spPr>
+          <a:xfrm>
+            <a:off x="124326" y="100431"/>
+            <a:ext cx="3019926" cy="637507"/>
+          </a:xfrm>
+        </p:spPr>
+        <p:txBody>
+          <a:bodyPr>
+            <a:normAutofit fontScale="90000"/>
+          </a:bodyPr>
+          <a:lstStyle/>
+          <a:p>
+            <a:r>
+              <a:rPr lang="en-US" dirty="0"/>
+              <a:t>Step Model</a:t>
+            </a:r>
+          </a:p>
+        </p:txBody>
+      </p:sp>
+      <p:pic>
+        <p:nvPicPr>
+          <p:cNvPr id="3" name="Picture 2">
+            <a:extLst>
+              <a:ext uri="{FF2B5EF4-FFF2-40B4-BE49-F238E27FC236}">
+                <a16:creationId xmlns:a16="http://schemas.microsoft.com/office/drawing/2014/main" id="{F4C74A63-B840-4D84-A5ED-1A05A051B3DC}"/>
+              </a:ext>
+            </a:extLst>
+          </p:cNvPr>
+          <p:cNvPicPr>
+            <a:picLocks noChangeAspect="1"/>
+          </p:cNvPicPr>
+          <p:nvPr/>
+        </p:nvPicPr>
+        <p:blipFill>
+          <a:blip r:embed="rId2"/>
+          <a:stretch>
+            <a:fillRect/>
+          </a:stretch>
+        </p:blipFill>
+        <p:spPr>
+          <a:xfrm>
+            <a:off x="3545305" y="694731"/>
+            <a:ext cx="3169636" cy="1956118"/>
+          </a:xfrm>
+          <a:prstGeom prst="rect">
+            <a:avLst/>
+          </a:prstGeom>
+        </p:spPr>
+      </p:pic>
+      <p:pic>
+        <p:nvPicPr>
+          <p:cNvPr id="4" name="Picture 3">
+            <a:extLst>
+              <a:ext uri="{FF2B5EF4-FFF2-40B4-BE49-F238E27FC236}">
+                <a16:creationId xmlns:a16="http://schemas.microsoft.com/office/drawing/2014/main" id="{632BCF47-789E-439A-A296-F7ACDF9F208B}"/>
+              </a:ext>
+            </a:extLst>
+          </p:cNvPr>
+          <p:cNvPicPr>
+            <a:picLocks noChangeAspect="1"/>
+          </p:cNvPicPr>
+          <p:nvPr/>
+        </p:nvPicPr>
+        <p:blipFill>
+          <a:blip r:embed="rId3"/>
+          <a:stretch>
+            <a:fillRect/>
+          </a:stretch>
+        </p:blipFill>
+        <p:spPr>
+          <a:xfrm>
+            <a:off x="72296" y="697573"/>
+            <a:ext cx="3473009" cy="5136306"/>
+          </a:xfrm>
+          <a:prstGeom prst="rect">
+            <a:avLst/>
+          </a:prstGeom>
+        </p:spPr>
+      </p:pic>
+      <p:pic>
+        <p:nvPicPr>
+          <p:cNvPr id="5" name="Picture 4">
+            <a:extLst>
+              <a:ext uri="{FF2B5EF4-FFF2-40B4-BE49-F238E27FC236}">
+                <a16:creationId xmlns:a16="http://schemas.microsoft.com/office/drawing/2014/main" id="{1A5AD260-1585-4C18-AD0C-8CD115390085}"/>
+              </a:ext>
+            </a:extLst>
+          </p:cNvPr>
+          <p:cNvPicPr>
+            <a:picLocks noChangeAspect="1"/>
+          </p:cNvPicPr>
+          <p:nvPr/>
+        </p:nvPicPr>
+        <p:blipFill>
+          <a:blip r:embed="rId4"/>
+          <a:stretch>
+            <a:fillRect/>
+          </a:stretch>
+        </p:blipFill>
+        <p:spPr>
+          <a:xfrm>
+            <a:off x="3545807" y="2648007"/>
+            <a:ext cx="2550193" cy="3185872"/>
+          </a:xfrm>
+          <a:prstGeom prst="rect">
+            <a:avLst/>
+          </a:prstGeom>
+        </p:spPr>
+      </p:pic>
+    </p:spTree>
+    <p:extLst>
+      <p:ext uri="{BB962C8B-B14F-4D97-AF65-F5344CB8AC3E}">
+        <p14:creationId xmlns:p14="http://schemas.microsoft.com/office/powerpoint/2010/main" val="3479006136"/>
+      </p:ext>
+    </p:extLst>
+  </p:cSld>
+  <p:clrMapOvr>
+    <a:masterClrMapping/>
+  </p:clrMapOvr>
+</p:sld>
+</file>
+
+<file path=ppt/slides/slide18.xml><?xml version="1.0" encoding="utf-8"?>
+<p:sld xmlns:a="http://schemas.openxmlformats.org/drawingml/2006/main" xmlns:r="http://schemas.openxmlformats.org/officeDocument/2006/relationships" xmlns:p="http://schemas.openxmlformats.org/presentationml/2006/main">
+  <p:cSld>
+    <p:spTree>
+      <p:nvGrpSpPr>
+        <p:cNvPr id="1" name=""/>
+        <p:cNvGrpSpPr/>
+        <p:nvPr/>
+      </p:nvGrpSpPr>
+      <p:grpSpPr>
+        <a:xfrm>
+          <a:off x="0" y="0"/>
+          <a:ext cx="0" cy="0"/>
+          <a:chOff x="0" y="0"/>
+          <a:chExt cx="0" cy="0"/>
+        </a:xfrm>
+      </p:grpSpPr>
+      <p:sp>
+        <p:nvSpPr>
+          <p:cNvPr id="2" name="Title 1">
+            <a:extLst>
+              <a:ext uri="{FF2B5EF4-FFF2-40B4-BE49-F238E27FC236}">
+                <a16:creationId xmlns:a16="http://schemas.microsoft.com/office/drawing/2014/main" id="{C4EAADC1-7358-4695-9E8D-42CAF9BCD60D}"/>
+              </a:ext>
+            </a:extLst>
+          </p:cNvPr>
+          <p:cNvSpPr>
+            <a:spLocks noGrp="1"/>
+          </p:cNvSpPr>
+          <p:nvPr>
+            <p:ph type="title"/>
+          </p:nvPr>
+        </p:nvSpPr>
+        <p:spPr>
+          <a:xfrm>
+            <a:off x="124326" y="58069"/>
+            <a:ext cx="1487906" cy="535490"/>
+          </a:xfrm>
+        </p:spPr>
+        <p:txBody>
+          <a:bodyPr>
+            <a:normAutofit fontScale="90000"/>
+          </a:bodyPr>
+          <a:lstStyle/>
+          <a:p>
+            <a:r>
+              <a:rPr lang="en-US" dirty="0"/>
+              <a:t>Lasso</a:t>
+            </a:r>
+          </a:p>
+        </p:txBody>
+      </p:sp>
+      <p:pic>
+        <p:nvPicPr>
+          <p:cNvPr id="3" name="Picture 2">
+            <a:extLst>
+              <a:ext uri="{FF2B5EF4-FFF2-40B4-BE49-F238E27FC236}">
+                <a16:creationId xmlns:a16="http://schemas.microsoft.com/office/drawing/2014/main" id="{587484B5-C46C-4D83-AB74-0779C6D10170}"/>
+              </a:ext>
+            </a:extLst>
+          </p:cNvPr>
+          <p:cNvPicPr>
+            <a:picLocks noChangeAspect="1"/>
+          </p:cNvPicPr>
+          <p:nvPr/>
+        </p:nvPicPr>
+        <p:blipFill>
+          <a:blip r:embed="rId2"/>
+          <a:stretch>
+            <a:fillRect/>
+          </a:stretch>
+        </p:blipFill>
+        <p:spPr>
+          <a:xfrm>
+            <a:off x="1612232" y="737937"/>
+            <a:ext cx="2287904" cy="1411963"/>
+          </a:xfrm>
+          <a:prstGeom prst="rect">
+            <a:avLst/>
+          </a:prstGeom>
+        </p:spPr>
+      </p:pic>
+      <p:pic>
+        <p:nvPicPr>
+          <p:cNvPr id="4" name="Picture 3">
+            <a:extLst>
+              <a:ext uri="{FF2B5EF4-FFF2-40B4-BE49-F238E27FC236}">
+                <a16:creationId xmlns:a16="http://schemas.microsoft.com/office/drawing/2014/main" id="{F7C5F851-6F8A-42E6-9F02-CF047B0A3DA2}"/>
+              </a:ext>
+            </a:extLst>
+          </p:cNvPr>
+          <p:cNvPicPr>
+            <a:picLocks noChangeAspect="1"/>
+          </p:cNvPicPr>
+          <p:nvPr/>
+        </p:nvPicPr>
+        <p:blipFill>
+          <a:blip r:embed="rId3"/>
+          <a:stretch>
+            <a:fillRect/>
+          </a:stretch>
+        </p:blipFill>
+        <p:spPr>
+          <a:xfrm>
+            <a:off x="107716" y="737937"/>
+            <a:ext cx="1504516" cy="3705726"/>
+          </a:xfrm>
+          <a:prstGeom prst="rect">
+            <a:avLst/>
+          </a:prstGeom>
+        </p:spPr>
+      </p:pic>
+      <p:pic>
+        <p:nvPicPr>
+          <p:cNvPr id="5" name="Picture 4">
+            <a:extLst>
+              <a:ext uri="{FF2B5EF4-FFF2-40B4-BE49-F238E27FC236}">
+                <a16:creationId xmlns:a16="http://schemas.microsoft.com/office/drawing/2014/main" id="{42C011DF-CBC7-4203-8D17-7B71D03FCF9E}"/>
+              </a:ext>
+            </a:extLst>
+          </p:cNvPr>
+          <p:cNvPicPr>
+            <a:picLocks noChangeAspect="1"/>
+          </p:cNvPicPr>
+          <p:nvPr/>
+        </p:nvPicPr>
+        <p:blipFill>
+          <a:blip r:embed="rId4"/>
+          <a:stretch>
+            <a:fillRect/>
+          </a:stretch>
+        </p:blipFill>
+        <p:spPr>
+          <a:xfrm>
+            <a:off x="1612232" y="2149900"/>
+            <a:ext cx="1815896" cy="2293763"/>
+          </a:xfrm>
+          <a:prstGeom prst="rect">
+            <a:avLst/>
+          </a:prstGeom>
+        </p:spPr>
+      </p:pic>
+    </p:spTree>
+    <p:extLst>
+      <p:ext uri="{BB962C8B-B14F-4D97-AF65-F5344CB8AC3E}">
+        <p14:creationId xmlns:p14="http://schemas.microsoft.com/office/powerpoint/2010/main" val="1478200344"/>
+      </p:ext>
+    </p:extLst>
+  </p:cSld>
+  <p:clrMapOvr>
+    <a:masterClrMapping/>
+  </p:clrMapOvr>
+</p:sld>
+</file>
+
+<file path=ppt/slides/slide19.xml><?xml version="1.0" encoding="utf-8"?>
+<p:sld xmlns:a="http://schemas.openxmlformats.org/drawingml/2006/main" xmlns:r="http://schemas.openxmlformats.org/officeDocument/2006/relationships" xmlns:p="http://schemas.openxmlformats.org/presentationml/2006/main">
+  <p:cSld>
+    <p:spTree>
+      <p:nvGrpSpPr>
+        <p:cNvPr id="1" name=""/>
+        <p:cNvGrpSpPr/>
+        <p:nvPr/>
+      </p:nvGrpSpPr>
+      <p:grpSpPr>
+        <a:xfrm>
+          <a:off x="0" y="0"/>
+          <a:ext cx="0" cy="0"/>
+          <a:chOff x="0" y="0"/>
+          <a:chExt cx="0" cy="0"/>
+        </a:xfrm>
+      </p:grpSpPr>
+      <p:sp>
+        <p:nvSpPr>
+          <p:cNvPr id="2" name="Title 1">
+            <a:extLst>
+              <a:ext uri="{FF2B5EF4-FFF2-40B4-BE49-F238E27FC236}">
+                <a16:creationId xmlns:a16="http://schemas.microsoft.com/office/drawing/2014/main" id="{6AC5400F-1421-438E-B8A1-6A9D48A5A8FD}"/>
+              </a:ext>
+            </a:extLst>
+          </p:cNvPr>
+          <p:cNvSpPr>
+            <a:spLocks noGrp="1"/>
+          </p:cNvSpPr>
+          <p:nvPr>
+            <p:ph type="title"/>
+          </p:nvPr>
+        </p:nvSpPr>
+        <p:spPr/>
+        <p:txBody>
+          <a:bodyPr/>
+          <a:lstStyle/>
+          <a:p>
+            <a:endParaRPr lang="en-US"/>
+          </a:p>
+        </p:txBody>
+      </p:sp>
+      <p:pic>
+        <p:nvPicPr>
+          <p:cNvPr id="4" name="Picture 3">
+            <a:extLst>
+              <a:ext uri="{FF2B5EF4-FFF2-40B4-BE49-F238E27FC236}">
+                <a16:creationId xmlns:a16="http://schemas.microsoft.com/office/drawing/2014/main" id="{02B7175E-DF98-4E43-BA9E-38669BDC045C}"/>
+              </a:ext>
+            </a:extLst>
+          </p:cNvPr>
+          <p:cNvPicPr>
+            <a:picLocks noChangeAspect="1"/>
+          </p:cNvPicPr>
+          <p:nvPr/>
+        </p:nvPicPr>
+        <p:blipFill>
+          <a:blip r:embed="rId2"/>
+          <a:stretch>
+            <a:fillRect/>
+          </a:stretch>
+        </p:blipFill>
+        <p:spPr>
+          <a:xfrm>
+            <a:off x="316246" y="1764888"/>
+            <a:ext cx="4785144" cy="2953117"/>
+          </a:xfrm>
+          <a:prstGeom prst="rect">
+            <a:avLst/>
+          </a:prstGeom>
+        </p:spPr>
+      </p:pic>
+    </p:spTree>
+    <p:extLst>
+      <p:ext uri="{BB962C8B-B14F-4D97-AF65-F5344CB8AC3E}">
+        <p14:creationId xmlns:p14="http://schemas.microsoft.com/office/powerpoint/2010/main" val="3110676243"/>
+      </p:ext>
+    </p:extLst>
+  </p:cSld>
+  <p:clrMapOvr>
+    <a:masterClrMapping/>
+  </p:clrMapOvr>
+</p:sld>
+</file>
+
 <file path=ppt/slides/slide2.xml><?xml version="1.0" encoding="utf-8"?>
 <p:sld xmlns:a="http://schemas.openxmlformats.org/drawingml/2006/main" xmlns:r="http://schemas.openxmlformats.org/officeDocument/2006/relationships" xmlns:p="http://schemas.openxmlformats.org/presentationml/2006/main">
   <p:cSld>
@@ -3558,6 +5457,797 @@
     <p:extLst>
       <p:ext uri="{BB962C8B-B14F-4D97-AF65-F5344CB8AC3E}">
         <p14:creationId xmlns:p14="http://schemas.microsoft.com/office/powerpoint/2010/main" val="1830530129"/>
+      </p:ext>
+    </p:extLst>
+  </p:cSld>
+  <p:clrMapOvr>
+    <a:masterClrMapping/>
+  </p:clrMapOvr>
+</p:sld>
+</file>
+
+<file path=ppt/slides/slide20.xml><?xml version="1.0" encoding="utf-8"?>
+<p:sld xmlns:a="http://schemas.openxmlformats.org/drawingml/2006/main" xmlns:r="http://schemas.openxmlformats.org/officeDocument/2006/relationships" xmlns:p="http://schemas.openxmlformats.org/presentationml/2006/main">
+  <p:cSld>
+    <p:spTree>
+      <p:nvGrpSpPr>
+        <p:cNvPr id="1" name=""/>
+        <p:cNvGrpSpPr/>
+        <p:nvPr/>
+      </p:nvGrpSpPr>
+      <p:grpSpPr>
+        <a:xfrm>
+          <a:off x="0" y="0"/>
+          <a:ext cx="0" cy="0"/>
+          <a:chOff x="0" y="0"/>
+          <a:chExt cx="0" cy="0"/>
+        </a:xfrm>
+      </p:grpSpPr>
+      <p:sp>
+        <p:nvSpPr>
+          <p:cNvPr id="2" name="Title 1">
+            <a:extLst>
+              <a:ext uri="{FF2B5EF4-FFF2-40B4-BE49-F238E27FC236}">
+                <a16:creationId xmlns:a16="http://schemas.microsoft.com/office/drawing/2014/main" id="{89CBEBA9-17E4-4C1A-82B2-1AF6063AF413}"/>
+              </a:ext>
+            </a:extLst>
+          </p:cNvPr>
+          <p:cNvSpPr>
+            <a:spLocks noGrp="1"/>
+          </p:cNvSpPr>
+          <p:nvPr>
+            <p:ph type="title"/>
+          </p:nvPr>
+        </p:nvSpPr>
+        <p:spPr>
+          <a:xfrm>
+            <a:off x="116305" y="68347"/>
+            <a:ext cx="4207042" cy="509170"/>
+          </a:xfrm>
+        </p:spPr>
+        <p:txBody>
+          <a:bodyPr>
+            <a:normAutofit fontScale="90000"/>
+          </a:bodyPr>
+          <a:lstStyle/>
+          <a:p>
+            <a:r>
+              <a:rPr lang="en-US" dirty="0"/>
+              <a:t>Without Duration</a:t>
+            </a:r>
+          </a:p>
+        </p:txBody>
+      </p:sp>
+      <p:pic>
+        <p:nvPicPr>
+          <p:cNvPr id="3" name="Picture 2">
+            <a:extLst>
+              <a:ext uri="{FF2B5EF4-FFF2-40B4-BE49-F238E27FC236}">
+                <a16:creationId xmlns:a16="http://schemas.microsoft.com/office/drawing/2014/main" id="{736BDD7E-74B0-4DF6-AE7E-92D4FE55A004}"/>
+              </a:ext>
+            </a:extLst>
+          </p:cNvPr>
+          <p:cNvPicPr>
+            <a:picLocks noChangeAspect="1"/>
+          </p:cNvPicPr>
+          <p:nvPr/>
+        </p:nvPicPr>
+        <p:blipFill>
+          <a:blip r:embed="rId2"/>
+          <a:stretch>
+            <a:fillRect/>
+          </a:stretch>
+        </p:blipFill>
+        <p:spPr>
+          <a:xfrm>
+            <a:off x="116305" y="577517"/>
+            <a:ext cx="3708179" cy="3929563"/>
+          </a:xfrm>
+          <a:prstGeom prst="rect">
+            <a:avLst/>
+          </a:prstGeom>
+        </p:spPr>
+      </p:pic>
+      <p:pic>
+        <p:nvPicPr>
+          <p:cNvPr id="5" name="Picture 4">
+            <a:extLst>
+              <a:ext uri="{FF2B5EF4-FFF2-40B4-BE49-F238E27FC236}">
+                <a16:creationId xmlns:a16="http://schemas.microsoft.com/office/drawing/2014/main" id="{0D6B31F2-BF51-49FC-A2B1-D1C4C8F5D2FC}"/>
+              </a:ext>
+            </a:extLst>
+          </p:cNvPr>
+          <p:cNvPicPr>
+            <a:picLocks noChangeAspect="1"/>
+          </p:cNvPicPr>
+          <p:nvPr/>
+        </p:nvPicPr>
+        <p:blipFill>
+          <a:blip r:embed="rId3"/>
+          <a:stretch>
+            <a:fillRect/>
+          </a:stretch>
+        </p:blipFill>
+        <p:spPr>
+          <a:xfrm>
+            <a:off x="3624958" y="4507080"/>
+            <a:ext cx="1396777" cy="1258554"/>
+          </a:xfrm>
+          <a:prstGeom prst="rect">
+            <a:avLst/>
+          </a:prstGeom>
+        </p:spPr>
+      </p:pic>
+      <p:pic>
+        <p:nvPicPr>
+          <p:cNvPr id="6" name="Picture 5">
+            <a:extLst>
+              <a:ext uri="{FF2B5EF4-FFF2-40B4-BE49-F238E27FC236}">
+                <a16:creationId xmlns:a16="http://schemas.microsoft.com/office/drawing/2014/main" id="{E5871AF4-7EC8-4B28-BDD1-635291C59971}"/>
+              </a:ext>
+            </a:extLst>
+          </p:cNvPr>
+          <p:cNvPicPr>
+            <a:picLocks noChangeAspect="1"/>
+          </p:cNvPicPr>
+          <p:nvPr/>
+        </p:nvPicPr>
+        <p:blipFill>
+          <a:blip r:embed="rId4"/>
+          <a:stretch>
+            <a:fillRect/>
+          </a:stretch>
+        </p:blipFill>
+        <p:spPr>
+          <a:xfrm>
+            <a:off x="116305" y="4507080"/>
+            <a:ext cx="3529263" cy="2178059"/>
+          </a:xfrm>
+          <a:prstGeom prst="rect">
+            <a:avLst/>
+          </a:prstGeom>
+        </p:spPr>
+      </p:pic>
+      <p:pic>
+        <p:nvPicPr>
+          <p:cNvPr id="7" name="Picture 6">
+            <a:extLst>
+              <a:ext uri="{FF2B5EF4-FFF2-40B4-BE49-F238E27FC236}">
+                <a16:creationId xmlns:a16="http://schemas.microsoft.com/office/drawing/2014/main" id="{FDAF243C-083A-46AF-80D3-5D9D67646FA9}"/>
+              </a:ext>
+            </a:extLst>
+          </p:cNvPr>
+          <p:cNvPicPr>
+            <a:picLocks noChangeAspect="1"/>
+          </p:cNvPicPr>
+          <p:nvPr/>
+        </p:nvPicPr>
+        <p:blipFill>
+          <a:blip r:embed="rId5"/>
+          <a:stretch>
+            <a:fillRect/>
+          </a:stretch>
+        </p:blipFill>
+        <p:spPr>
+          <a:xfrm>
+            <a:off x="5544119" y="650995"/>
+            <a:ext cx="3866983" cy="3604711"/>
+          </a:xfrm>
+          <a:prstGeom prst="rect">
+            <a:avLst/>
+          </a:prstGeom>
+        </p:spPr>
+      </p:pic>
+      <p:pic>
+        <p:nvPicPr>
+          <p:cNvPr id="8" name="Picture 7">
+            <a:extLst>
+              <a:ext uri="{FF2B5EF4-FFF2-40B4-BE49-F238E27FC236}">
+                <a16:creationId xmlns:a16="http://schemas.microsoft.com/office/drawing/2014/main" id="{2B996BC7-EE2E-4087-B66C-052A8F924B79}"/>
+              </a:ext>
+            </a:extLst>
+          </p:cNvPr>
+          <p:cNvPicPr>
+            <a:picLocks noChangeAspect="1"/>
+          </p:cNvPicPr>
+          <p:nvPr/>
+        </p:nvPicPr>
+        <p:blipFill>
+          <a:blip r:embed="rId6"/>
+          <a:stretch>
+            <a:fillRect/>
+          </a:stretch>
+        </p:blipFill>
+        <p:spPr>
+          <a:xfrm>
+            <a:off x="9411102" y="996008"/>
+            <a:ext cx="2700668" cy="3259698"/>
+          </a:xfrm>
+          <a:prstGeom prst="rect">
+            <a:avLst/>
+          </a:prstGeom>
+        </p:spPr>
+      </p:pic>
+      <p:pic>
+        <p:nvPicPr>
+          <p:cNvPr id="9" name="Picture 8">
+            <a:extLst>
+              <a:ext uri="{FF2B5EF4-FFF2-40B4-BE49-F238E27FC236}">
+                <a16:creationId xmlns:a16="http://schemas.microsoft.com/office/drawing/2014/main" id="{FA40F896-8BA3-45B7-8735-935F99317452}"/>
+              </a:ext>
+            </a:extLst>
+          </p:cNvPr>
+          <p:cNvPicPr>
+            <a:picLocks noChangeAspect="1"/>
+          </p:cNvPicPr>
+          <p:nvPr/>
+        </p:nvPicPr>
+        <p:blipFill>
+          <a:blip r:embed="rId7"/>
+          <a:stretch>
+            <a:fillRect/>
+          </a:stretch>
+        </p:blipFill>
+        <p:spPr>
+          <a:xfrm>
+            <a:off x="7154221" y="4255706"/>
+            <a:ext cx="3529263" cy="2178059"/>
+          </a:xfrm>
+          <a:prstGeom prst="rect">
+            <a:avLst/>
+          </a:prstGeom>
+        </p:spPr>
+      </p:pic>
+    </p:spTree>
+    <p:extLst>
+      <p:ext uri="{BB962C8B-B14F-4D97-AF65-F5344CB8AC3E}">
+        <p14:creationId xmlns:p14="http://schemas.microsoft.com/office/powerpoint/2010/main" val="918211451"/>
+      </p:ext>
+    </p:extLst>
+  </p:cSld>
+  <p:clrMapOvr>
+    <a:masterClrMapping/>
+  </p:clrMapOvr>
+</p:sld>
+</file>
+
+<file path=ppt/slides/slide21.xml><?xml version="1.0" encoding="utf-8"?>
+<p:sld xmlns:a="http://schemas.openxmlformats.org/drawingml/2006/main" xmlns:r="http://schemas.openxmlformats.org/officeDocument/2006/relationships" xmlns:p="http://schemas.openxmlformats.org/presentationml/2006/main">
+  <p:cSld>
+    <p:spTree>
+      <p:nvGrpSpPr>
+        <p:cNvPr id="1" name=""/>
+        <p:cNvGrpSpPr/>
+        <p:nvPr/>
+      </p:nvGrpSpPr>
+      <p:grpSpPr>
+        <a:xfrm>
+          <a:off x="0" y="0"/>
+          <a:ext cx="0" cy="0"/>
+          <a:chOff x="0" y="0"/>
+          <a:chExt cx="0" cy="0"/>
+        </a:xfrm>
+      </p:grpSpPr>
+      <p:sp>
+        <p:nvSpPr>
+          <p:cNvPr id="3" name="Title 1">
+            <a:extLst>
+              <a:ext uri="{FF2B5EF4-FFF2-40B4-BE49-F238E27FC236}">
+                <a16:creationId xmlns:a16="http://schemas.microsoft.com/office/drawing/2014/main" id="{9B8F098B-B15E-4E23-BA29-982CFE40464A}"/>
+              </a:ext>
+            </a:extLst>
+          </p:cNvPr>
+          <p:cNvSpPr>
+            <a:spLocks noGrp="1"/>
+          </p:cNvSpPr>
+          <p:nvPr>
+            <p:ph type="title"/>
+          </p:nvPr>
+        </p:nvSpPr>
+        <p:spPr>
+          <a:xfrm>
+            <a:off x="116305" y="68347"/>
+            <a:ext cx="4207042" cy="509170"/>
+          </a:xfrm>
+        </p:spPr>
+        <p:txBody>
+          <a:bodyPr>
+            <a:normAutofit fontScale="90000"/>
+          </a:bodyPr>
+          <a:lstStyle/>
+          <a:p>
+            <a:r>
+              <a:rPr lang="en-US" dirty="0"/>
+              <a:t>Without Duration</a:t>
+            </a:r>
+          </a:p>
+        </p:txBody>
+      </p:sp>
+      <p:pic>
+        <p:nvPicPr>
+          <p:cNvPr id="4" name="Picture 3">
+            <a:extLst>
+              <a:ext uri="{FF2B5EF4-FFF2-40B4-BE49-F238E27FC236}">
+                <a16:creationId xmlns:a16="http://schemas.microsoft.com/office/drawing/2014/main" id="{20448D7D-9C25-439B-B040-63711A42C528}"/>
+              </a:ext>
+            </a:extLst>
+          </p:cNvPr>
+          <p:cNvPicPr>
+            <a:picLocks noChangeAspect="1"/>
+          </p:cNvPicPr>
+          <p:nvPr/>
+        </p:nvPicPr>
+        <p:blipFill>
+          <a:blip r:embed="rId2"/>
+          <a:stretch>
+            <a:fillRect/>
+          </a:stretch>
+        </p:blipFill>
+        <p:spPr>
+          <a:xfrm>
+            <a:off x="2491317" y="4606592"/>
+            <a:ext cx="3305174" cy="1986998"/>
+          </a:xfrm>
+          <a:prstGeom prst="rect">
+            <a:avLst/>
+          </a:prstGeom>
+        </p:spPr>
+      </p:pic>
+      <p:pic>
+        <p:nvPicPr>
+          <p:cNvPr id="5" name="Picture 4">
+            <a:extLst>
+              <a:ext uri="{FF2B5EF4-FFF2-40B4-BE49-F238E27FC236}">
+                <a16:creationId xmlns:a16="http://schemas.microsoft.com/office/drawing/2014/main" id="{066117E3-3776-40F9-989C-93A56461B9E8}"/>
+              </a:ext>
+            </a:extLst>
+          </p:cNvPr>
+          <p:cNvPicPr>
+            <a:picLocks noChangeAspect="1"/>
+          </p:cNvPicPr>
+          <p:nvPr/>
+        </p:nvPicPr>
+        <p:blipFill>
+          <a:blip r:embed="rId3"/>
+          <a:stretch>
+            <a:fillRect/>
+          </a:stretch>
+        </p:blipFill>
+        <p:spPr>
+          <a:xfrm>
+            <a:off x="116305" y="577517"/>
+            <a:ext cx="2375012" cy="5325979"/>
+          </a:xfrm>
+          <a:prstGeom prst="rect">
+            <a:avLst/>
+          </a:prstGeom>
+        </p:spPr>
+      </p:pic>
+      <p:pic>
+        <p:nvPicPr>
+          <p:cNvPr id="6" name="Picture 5">
+            <a:extLst>
+              <a:ext uri="{FF2B5EF4-FFF2-40B4-BE49-F238E27FC236}">
+                <a16:creationId xmlns:a16="http://schemas.microsoft.com/office/drawing/2014/main" id="{15987C7B-690C-420D-ADBD-960541FDA8D3}"/>
+              </a:ext>
+            </a:extLst>
+          </p:cNvPr>
+          <p:cNvPicPr>
+            <a:picLocks noChangeAspect="1"/>
+          </p:cNvPicPr>
+          <p:nvPr/>
+        </p:nvPicPr>
+        <p:blipFill>
+          <a:blip r:embed="rId4"/>
+          <a:stretch>
+            <a:fillRect/>
+          </a:stretch>
+        </p:blipFill>
+        <p:spPr>
+          <a:xfrm>
+            <a:off x="2491317" y="577517"/>
+            <a:ext cx="3305175" cy="4029075"/>
+          </a:xfrm>
+          <a:prstGeom prst="rect">
+            <a:avLst/>
+          </a:prstGeom>
+        </p:spPr>
+      </p:pic>
+    </p:spTree>
+    <p:extLst>
+      <p:ext uri="{BB962C8B-B14F-4D97-AF65-F5344CB8AC3E}">
+        <p14:creationId xmlns:p14="http://schemas.microsoft.com/office/powerpoint/2010/main" val="942456202"/>
+      </p:ext>
+    </p:extLst>
+  </p:cSld>
+  <p:clrMapOvr>
+    <a:masterClrMapping/>
+  </p:clrMapOvr>
+</p:sld>
+</file>
+
+<file path=ppt/slides/slide22.xml><?xml version="1.0" encoding="utf-8"?>
+<p:sld xmlns:a="http://schemas.openxmlformats.org/drawingml/2006/main" xmlns:r="http://schemas.openxmlformats.org/officeDocument/2006/relationships" xmlns:p="http://schemas.openxmlformats.org/presentationml/2006/main">
+  <p:cSld>
+    <p:spTree>
+      <p:nvGrpSpPr>
+        <p:cNvPr id="1" name=""/>
+        <p:cNvGrpSpPr/>
+        <p:nvPr/>
+      </p:nvGrpSpPr>
+      <p:grpSpPr>
+        <a:xfrm>
+          <a:off x="0" y="0"/>
+          <a:ext cx="0" cy="0"/>
+          <a:chOff x="0" y="0"/>
+          <a:chExt cx="0" cy="0"/>
+        </a:xfrm>
+      </p:grpSpPr>
+      <p:sp>
+        <p:nvSpPr>
+          <p:cNvPr id="2" name="Title 1">
+            <a:extLst>
+              <a:ext uri="{FF2B5EF4-FFF2-40B4-BE49-F238E27FC236}">
+                <a16:creationId xmlns:a16="http://schemas.microsoft.com/office/drawing/2014/main" id="{0341FD55-E7DD-4401-964E-26822281BDAE}"/>
+              </a:ext>
+            </a:extLst>
+          </p:cNvPr>
+          <p:cNvSpPr>
+            <a:spLocks noGrp="1"/>
+          </p:cNvSpPr>
+          <p:nvPr>
+            <p:ph type="title"/>
+          </p:nvPr>
+        </p:nvSpPr>
+        <p:spPr>
+          <a:xfrm>
+            <a:off x="156410" y="132515"/>
+            <a:ext cx="5650831" cy="878138"/>
+          </a:xfrm>
+        </p:spPr>
+        <p:txBody>
+          <a:bodyPr>
+            <a:normAutofit fontScale="90000"/>
+          </a:bodyPr>
+          <a:lstStyle/>
+          <a:p>
+            <a:r>
+              <a:rPr lang="en-US" dirty="0"/>
+              <a:t>Residuals From Logistic Regs – With Duration</a:t>
+            </a:r>
+          </a:p>
+        </p:txBody>
+      </p:sp>
+      <p:sp>
+        <p:nvSpPr>
+          <p:cNvPr id="3" name="TextBox 2">
+            <a:extLst>
+              <a:ext uri="{FF2B5EF4-FFF2-40B4-BE49-F238E27FC236}">
+                <a16:creationId xmlns:a16="http://schemas.microsoft.com/office/drawing/2014/main" id="{80B2A967-6780-43FF-8663-CBF9C2D19B00}"/>
+              </a:ext>
+            </a:extLst>
+          </p:cNvPr>
+          <p:cNvSpPr txBox="1"/>
+          <p:nvPr/>
+        </p:nvSpPr>
+        <p:spPr>
+          <a:xfrm>
+            <a:off x="689224" y="1644316"/>
+            <a:ext cx="4339390" cy="369332"/>
+          </a:xfrm>
+          <a:prstGeom prst="rect">
+            <a:avLst/>
+          </a:prstGeom>
+          <a:noFill/>
+        </p:spPr>
+        <p:txBody>
+          <a:bodyPr wrap="square" rtlCol="0">
+            <a:spAutoFit/>
+          </a:bodyPr>
+          <a:lstStyle/>
+          <a:p>
+            <a:r>
+              <a:rPr lang="en-US" dirty="0"/>
+              <a:t>Simple – </a:t>
+            </a:r>
+            <a:r>
+              <a:rPr lang="en-US" dirty="0" err="1"/>
+              <a:t>Obs</a:t>
+            </a:r>
+            <a:r>
+              <a:rPr lang="en-US" dirty="0"/>
+              <a:t> 36,044 massive outlier</a:t>
+            </a:r>
+          </a:p>
+        </p:txBody>
+      </p:sp>
+      <p:sp>
+        <p:nvSpPr>
+          <p:cNvPr id="7" name="TextBox 6">
+            <a:extLst>
+              <a:ext uri="{FF2B5EF4-FFF2-40B4-BE49-F238E27FC236}">
+                <a16:creationId xmlns:a16="http://schemas.microsoft.com/office/drawing/2014/main" id="{31531BBD-8C06-49E1-A73F-EC317DB2D471}"/>
+              </a:ext>
+            </a:extLst>
+          </p:cNvPr>
+          <p:cNvSpPr txBox="1"/>
+          <p:nvPr/>
+        </p:nvSpPr>
+        <p:spPr>
+          <a:xfrm>
+            <a:off x="7656096" y="1644316"/>
+            <a:ext cx="3646154" cy="369332"/>
+          </a:xfrm>
+          <a:prstGeom prst="rect">
+            <a:avLst/>
+          </a:prstGeom>
+          <a:noFill/>
+        </p:spPr>
+        <p:txBody>
+          <a:bodyPr wrap="square" rtlCol="0">
+            <a:spAutoFit/>
+          </a:bodyPr>
+          <a:lstStyle/>
+          <a:p>
+            <a:r>
+              <a:rPr lang="en-US" dirty="0"/>
+              <a:t>Step – same issues with </a:t>
+            </a:r>
+            <a:r>
+              <a:rPr lang="en-US" dirty="0" err="1"/>
+              <a:t>obs</a:t>
+            </a:r>
+            <a:r>
+              <a:rPr lang="en-US" dirty="0"/>
+              <a:t> 36044</a:t>
+            </a:r>
+          </a:p>
+        </p:txBody>
+      </p:sp>
+      <p:pic>
+        <p:nvPicPr>
+          <p:cNvPr id="8" name="Picture 7">
+            <a:extLst>
+              <a:ext uri="{FF2B5EF4-FFF2-40B4-BE49-F238E27FC236}">
+                <a16:creationId xmlns:a16="http://schemas.microsoft.com/office/drawing/2014/main" id="{A72A3BF5-9DD6-4FDC-AA75-0A8B658AED0F}"/>
+              </a:ext>
+            </a:extLst>
+          </p:cNvPr>
+          <p:cNvPicPr>
+            <a:picLocks noChangeAspect="1"/>
+          </p:cNvPicPr>
+          <p:nvPr/>
+        </p:nvPicPr>
+        <p:blipFill>
+          <a:blip r:embed="rId2"/>
+          <a:stretch>
+            <a:fillRect/>
+          </a:stretch>
+        </p:blipFill>
+        <p:spPr>
+          <a:xfrm>
+            <a:off x="0" y="2089664"/>
+            <a:ext cx="2747797" cy="1695783"/>
+          </a:xfrm>
+          <a:prstGeom prst="rect">
+            <a:avLst/>
+          </a:prstGeom>
+        </p:spPr>
+      </p:pic>
+      <p:pic>
+        <p:nvPicPr>
+          <p:cNvPr id="9" name="Picture 8">
+            <a:extLst>
+              <a:ext uri="{FF2B5EF4-FFF2-40B4-BE49-F238E27FC236}">
+                <a16:creationId xmlns:a16="http://schemas.microsoft.com/office/drawing/2014/main" id="{765C66ED-93BB-466E-A4E1-F33F89B6001C}"/>
+              </a:ext>
+            </a:extLst>
+          </p:cNvPr>
+          <p:cNvPicPr>
+            <a:picLocks noChangeAspect="1"/>
+          </p:cNvPicPr>
+          <p:nvPr/>
+        </p:nvPicPr>
+        <p:blipFill>
+          <a:blip r:embed="rId3"/>
+          <a:stretch>
+            <a:fillRect/>
+          </a:stretch>
+        </p:blipFill>
+        <p:spPr>
+          <a:xfrm>
+            <a:off x="2858919" y="2089664"/>
+            <a:ext cx="2747797" cy="1695783"/>
+          </a:xfrm>
+          <a:prstGeom prst="rect">
+            <a:avLst/>
+          </a:prstGeom>
+        </p:spPr>
+      </p:pic>
+      <p:pic>
+        <p:nvPicPr>
+          <p:cNvPr id="10" name="Picture 9">
+            <a:extLst>
+              <a:ext uri="{FF2B5EF4-FFF2-40B4-BE49-F238E27FC236}">
+                <a16:creationId xmlns:a16="http://schemas.microsoft.com/office/drawing/2014/main" id="{4E07685C-7F60-457D-879A-9F5C8B534040}"/>
+              </a:ext>
+            </a:extLst>
+          </p:cNvPr>
+          <p:cNvPicPr>
+            <a:picLocks noChangeAspect="1"/>
+          </p:cNvPicPr>
+          <p:nvPr/>
+        </p:nvPicPr>
+        <p:blipFill>
+          <a:blip r:embed="rId4"/>
+          <a:stretch>
+            <a:fillRect/>
+          </a:stretch>
+        </p:blipFill>
+        <p:spPr>
+          <a:xfrm>
+            <a:off x="-1" y="3861463"/>
+            <a:ext cx="2747797" cy="1695783"/>
+          </a:xfrm>
+          <a:prstGeom prst="rect">
+            <a:avLst/>
+          </a:prstGeom>
+        </p:spPr>
+      </p:pic>
+      <p:pic>
+        <p:nvPicPr>
+          <p:cNvPr id="12" name="Picture 11">
+            <a:extLst>
+              <a:ext uri="{FF2B5EF4-FFF2-40B4-BE49-F238E27FC236}">
+                <a16:creationId xmlns:a16="http://schemas.microsoft.com/office/drawing/2014/main" id="{4F9E2C45-F288-4E43-BB64-8F9C6E255DFE}"/>
+              </a:ext>
+            </a:extLst>
+          </p:cNvPr>
+          <p:cNvPicPr>
+            <a:picLocks noChangeAspect="1"/>
+          </p:cNvPicPr>
+          <p:nvPr/>
+        </p:nvPicPr>
+        <p:blipFill>
+          <a:blip r:embed="rId5"/>
+          <a:stretch>
+            <a:fillRect/>
+          </a:stretch>
+        </p:blipFill>
+        <p:spPr>
+          <a:xfrm>
+            <a:off x="2858919" y="3861463"/>
+            <a:ext cx="2747797" cy="1695783"/>
+          </a:xfrm>
+          <a:prstGeom prst="rect">
+            <a:avLst/>
+          </a:prstGeom>
+        </p:spPr>
+      </p:pic>
+      <p:pic>
+        <p:nvPicPr>
+          <p:cNvPr id="14" name="Picture 13">
+            <a:extLst>
+              <a:ext uri="{FF2B5EF4-FFF2-40B4-BE49-F238E27FC236}">
+                <a16:creationId xmlns:a16="http://schemas.microsoft.com/office/drawing/2014/main" id="{4CCA0C49-6DC3-4B46-81CC-0A5952D42F82}"/>
+              </a:ext>
+            </a:extLst>
+          </p:cNvPr>
+          <p:cNvPicPr>
+            <a:picLocks noChangeAspect="1"/>
+          </p:cNvPicPr>
+          <p:nvPr/>
+        </p:nvPicPr>
+        <p:blipFill>
+          <a:blip r:embed="rId6"/>
+          <a:stretch>
+            <a:fillRect/>
+          </a:stretch>
+        </p:blipFill>
+        <p:spPr>
+          <a:xfrm>
+            <a:off x="6357247" y="2084663"/>
+            <a:ext cx="2755900" cy="1700784"/>
+          </a:xfrm>
+          <a:prstGeom prst="rect">
+            <a:avLst/>
+          </a:prstGeom>
+        </p:spPr>
+      </p:pic>
+      <p:pic>
+        <p:nvPicPr>
+          <p:cNvPr id="15" name="Picture 14">
+            <a:extLst>
+              <a:ext uri="{FF2B5EF4-FFF2-40B4-BE49-F238E27FC236}">
+                <a16:creationId xmlns:a16="http://schemas.microsoft.com/office/drawing/2014/main" id="{1C218D1F-FCD8-436B-B7E1-6BC140B03E08}"/>
+              </a:ext>
+            </a:extLst>
+          </p:cNvPr>
+          <p:cNvPicPr>
+            <a:picLocks noChangeAspect="1"/>
+          </p:cNvPicPr>
+          <p:nvPr/>
+        </p:nvPicPr>
+        <p:blipFill>
+          <a:blip r:embed="rId7"/>
+          <a:stretch>
+            <a:fillRect/>
+          </a:stretch>
+        </p:blipFill>
+        <p:spPr>
+          <a:xfrm>
+            <a:off x="9216166" y="2084663"/>
+            <a:ext cx="2755900" cy="1700784"/>
+          </a:xfrm>
+          <a:prstGeom prst="rect">
+            <a:avLst/>
+          </a:prstGeom>
+        </p:spPr>
+      </p:pic>
+      <p:pic>
+        <p:nvPicPr>
+          <p:cNvPr id="16" name="Picture 15">
+            <a:extLst>
+              <a:ext uri="{FF2B5EF4-FFF2-40B4-BE49-F238E27FC236}">
+                <a16:creationId xmlns:a16="http://schemas.microsoft.com/office/drawing/2014/main" id="{56A3ADCA-A28A-423A-9BAA-F556E0B6E07A}"/>
+              </a:ext>
+            </a:extLst>
+          </p:cNvPr>
+          <p:cNvPicPr>
+            <a:picLocks noChangeAspect="1"/>
+          </p:cNvPicPr>
+          <p:nvPr/>
+        </p:nvPicPr>
+        <p:blipFill>
+          <a:blip r:embed="rId8"/>
+          <a:stretch>
+            <a:fillRect/>
+          </a:stretch>
+        </p:blipFill>
+        <p:spPr>
+          <a:xfrm>
+            <a:off x="6357247" y="3858962"/>
+            <a:ext cx="2755900" cy="1700784"/>
+          </a:xfrm>
+          <a:prstGeom prst="rect">
+            <a:avLst/>
+          </a:prstGeom>
+        </p:spPr>
+      </p:pic>
+      <p:pic>
+        <p:nvPicPr>
+          <p:cNvPr id="17" name="Picture 16">
+            <a:extLst>
+              <a:ext uri="{FF2B5EF4-FFF2-40B4-BE49-F238E27FC236}">
+                <a16:creationId xmlns:a16="http://schemas.microsoft.com/office/drawing/2014/main" id="{C42BC1B0-00B5-46CA-A439-ADC7C5291EC3}"/>
+              </a:ext>
+            </a:extLst>
+          </p:cNvPr>
+          <p:cNvPicPr>
+            <a:picLocks noChangeAspect="1"/>
+          </p:cNvPicPr>
+          <p:nvPr/>
+        </p:nvPicPr>
+        <p:blipFill>
+          <a:blip r:embed="rId9"/>
+          <a:stretch>
+            <a:fillRect/>
+          </a:stretch>
+        </p:blipFill>
+        <p:spPr>
+          <a:xfrm>
+            <a:off x="9216166" y="3858962"/>
+            <a:ext cx="2755900" cy="1700784"/>
+          </a:xfrm>
+          <a:prstGeom prst="rect">
+            <a:avLst/>
+          </a:prstGeom>
+        </p:spPr>
+      </p:pic>
+    </p:spTree>
+    <p:extLst>
+      <p:ext uri="{BB962C8B-B14F-4D97-AF65-F5344CB8AC3E}">
+        <p14:creationId xmlns:p14="http://schemas.microsoft.com/office/powerpoint/2010/main" val="1457745829"/>
       </p:ext>
     </p:extLst>
   </p:cSld>
